--- a/course_ppt/0. Orientation.pptx
+++ b/course_ppt/0. Orientation.pptx
@@ -5,10 +5,10 @@
     <p:sldMasterId id="2147483660" r:id="rId1"/>
   </p:sldMasterIdLst>
   <p:notesMasterIdLst>
-    <p:notesMasterId r:id="rId13"/>
+    <p:notesMasterId r:id="rId11"/>
   </p:notesMasterIdLst>
   <p:handoutMasterIdLst>
-    <p:handoutMasterId r:id="rId14"/>
+    <p:handoutMasterId r:id="rId12"/>
   </p:handoutMasterIdLst>
   <p:sldIdLst>
     <p:sldId id="256" r:id="rId2"/>
@@ -17,11 +17,9 @@
     <p:sldId id="272" r:id="rId5"/>
     <p:sldId id="273" r:id="rId6"/>
     <p:sldId id="274" r:id="rId7"/>
-    <p:sldId id="267" r:id="rId8"/>
-    <p:sldId id="268" r:id="rId9"/>
-    <p:sldId id="270" r:id="rId10"/>
-    <p:sldId id="271" r:id="rId11"/>
-    <p:sldId id="269" r:id="rId12"/>
+    <p:sldId id="276" r:id="rId8"/>
+    <p:sldId id="267" r:id="rId9"/>
+    <p:sldId id="278" r:id="rId10"/>
   </p:sldIdLst>
   <p:sldSz cx="9144000" cy="6858000" type="screen4x3"/>
   <p:notesSz cx="6864350" cy="9996488"/>
@@ -4035,709 +4033,6 @@
 </p:sld>
 </file>
 
-<file path=ppt/slides/slide10.xml><?xml version="1.0" encoding="utf-8"?>
-<p:sld xmlns:a="http://schemas.openxmlformats.org/drawingml/2006/main" xmlns:r="http://schemas.openxmlformats.org/officeDocument/2006/relationships" xmlns:p="http://schemas.openxmlformats.org/presentationml/2006/main">
-  <p:cSld>
-    <p:spTree>
-      <p:nvGrpSpPr>
-        <p:cNvPr id="1" name=""/>
-        <p:cNvGrpSpPr/>
-        <p:nvPr/>
-      </p:nvGrpSpPr>
-      <p:grpSpPr>
-        <a:xfrm>
-          <a:off x="0" y="0"/>
-          <a:ext cx="0" cy="0"/>
-          <a:chOff x="0" y="0"/>
-          <a:chExt cx="0" cy="0"/>
-        </a:xfrm>
-      </p:grpSpPr>
-      <p:sp>
-        <p:nvSpPr>
-          <p:cNvPr id="2" name="제목 1">
-            <a:extLst>
-              <a:ext uri="{FF2B5EF4-FFF2-40B4-BE49-F238E27FC236}">
-                <a16:creationId xmlns:a16="http://schemas.microsoft.com/office/drawing/2014/main" id="{2BD74A9D-227D-42C8-954E-4D254AD9D44B}"/>
-              </a:ext>
-            </a:extLst>
-          </p:cNvPr>
-          <p:cNvSpPr>
-            <a:spLocks noGrp="1"/>
-          </p:cNvSpPr>
-          <p:nvPr>
-            <p:ph type="title"/>
-          </p:nvPr>
-        </p:nvSpPr>
-        <p:spPr/>
-        <p:txBody>
-          <a:bodyPr/>
-          <a:lstStyle/>
-          <a:p>
-            <a:r>
-              <a:rPr lang="en-US" altLang="ko-KR" dirty="0"/>
-              <a:t>Class</a:t>
-            </a:r>
-            <a:endParaRPr lang="ko-KR" altLang="en-US" dirty="0"/>
-          </a:p>
-        </p:txBody>
-      </p:sp>
-      <p:sp>
-        <p:nvSpPr>
-          <p:cNvPr id="3" name="내용 개체 틀 2">
-            <a:extLst>
-              <a:ext uri="{FF2B5EF4-FFF2-40B4-BE49-F238E27FC236}">
-                <a16:creationId xmlns:a16="http://schemas.microsoft.com/office/drawing/2014/main" id="{CA7E4457-89E6-4A58-A123-EDF58E946C2F}"/>
-              </a:ext>
-            </a:extLst>
-          </p:cNvPr>
-          <p:cNvSpPr>
-            <a:spLocks noGrp="1"/>
-          </p:cNvSpPr>
-          <p:nvPr>
-            <p:ph idx="1"/>
-          </p:nvPr>
-        </p:nvSpPr>
-        <p:spPr/>
-        <p:txBody>
-          <a:bodyPr>
-            <a:normAutofit/>
-          </a:bodyPr>
-          <a:lstStyle/>
-          <a:p>
-            <a:r>
-              <a:rPr lang="ko-KR" altLang="en-US" dirty="0">
-                <a:latin typeface="맑은 고딕" panose="020B0503020000020004" pitchFamily="50" charset="-127"/>
-                <a:ea typeface="맑은 고딕" panose="020B0503020000020004" pitchFamily="50" charset="-127"/>
-              </a:rPr>
-              <a:t>기타</a:t>
-            </a:r>
-            <a:endParaRPr lang="en-US" altLang="ko-KR" dirty="0">
-              <a:latin typeface="맑은 고딕" panose="020B0503020000020004" pitchFamily="50" charset="-127"/>
-              <a:ea typeface="맑은 고딕" panose="020B0503020000020004" pitchFamily="50" charset="-127"/>
-            </a:endParaRPr>
-          </a:p>
-          <a:p>
-            <a:pPr lvl="1"/>
-            <a:r>
-              <a:rPr lang="en-US" altLang="ko-KR" dirty="0">
-                <a:latin typeface="+mn-ea"/>
-              </a:rPr>
-              <a:t>{ - </a:t>
-            </a:r>
-            <a:r>
-              <a:rPr lang="ko-KR" altLang="en-US" dirty="0">
-                <a:latin typeface="+mn-ea"/>
-              </a:rPr>
-              <a:t>왼쪽으로 문자를 </a:t>
-            </a:r>
-            <a:r>
-              <a:rPr lang="ko-KR" altLang="en-US" dirty="0" err="1">
-                <a:latin typeface="+mn-ea"/>
-              </a:rPr>
-              <a:t>쉬프트</a:t>
-            </a:r>
-            <a:endParaRPr lang="en-US" altLang="ko-KR" dirty="0">
-              <a:latin typeface="+mn-ea"/>
-            </a:endParaRPr>
-          </a:p>
-          <a:p>
-            <a:pPr lvl="2"/>
-            <a:r>
-              <a:rPr lang="en-US" altLang="ko-KR" dirty="0" err="1">
-                <a:latin typeface="+mn-ea"/>
-              </a:rPr>
-              <a:t>abcdef</a:t>
-            </a:r>
-            <a:r>
-              <a:rPr lang="en-US" altLang="ko-KR" dirty="0">
-                <a:latin typeface="+mn-ea"/>
-              </a:rPr>
-              <a:t> -&gt; </a:t>
-            </a:r>
-            <a:r>
-              <a:rPr lang="en-US" altLang="ko-KR" dirty="0" err="1">
-                <a:latin typeface="+mn-ea"/>
-              </a:rPr>
-              <a:t>bcdefa</a:t>
-            </a:r>
-            <a:endParaRPr lang="en-US" altLang="ko-KR" dirty="0">
-              <a:latin typeface="+mn-ea"/>
-            </a:endParaRPr>
-          </a:p>
-          <a:p>
-            <a:pPr lvl="1"/>
-            <a:r>
-              <a:rPr lang="en-US" altLang="ko-KR" dirty="0">
-                <a:latin typeface="+mn-ea"/>
-              </a:rPr>
-              <a:t>] - </a:t>
-            </a:r>
-            <a:r>
-              <a:rPr lang="ko-KR" altLang="en-US" dirty="0">
-                <a:latin typeface="+mn-ea"/>
-              </a:rPr>
-              <a:t>문자를 뒤에서 하나 제거</a:t>
-            </a:r>
-            <a:endParaRPr lang="en-US" altLang="ko-KR" dirty="0">
-              <a:latin typeface="+mn-ea"/>
-            </a:endParaRPr>
-          </a:p>
-          <a:p>
-            <a:pPr lvl="2"/>
-            <a:r>
-              <a:rPr lang="en-US" altLang="ko-KR" dirty="0" err="1">
-                <a:latin typeface="+mn-ea"/>
-              </a:rPr>
-              <a:t>abcdef</a:t>
-            </a:r>
-            <a:r>
-              <a:rPr lang="en-US" altLang="ko-KR" dirty="0">
-                <a:latin typeface="+mn-ea"/>
-              </a:rPr>
-              <a:t> -&gt; </a:t>
-            </a:r>
-            <a:r>
-              <a:rPr lang="en-US" altLang="ko-KR" dirty="0" err="1">
-                <a:latin typeface="+mn-ea"/>
-              </a:rPr>
-              <a:t>abcde</a:t>
-            </a:r>
-            <a:endParaRPr lang="en-US" altLang="ko-KR" dirty="0">
-              <a:latin typeface="+mn-ea"/>
-            </a:endParaRPr>
-          </a:p>
-          <a:p>
-            <a:pPr lvl="1"/>
-            <a:r>
-              <a:rPr lang="en-US" altLang="ko-KR" dirty="0">
-                <a:latin typeface="+mn-ea"/>
-              </a:rPr>
-              <a:t>} - </a:t>
-            </a:r>
-            <a:r>
-              <a:rPr lang="ko-KR" altLang="en-US" dirty="0">
-                <a:latin typeface="+mn-ea"/>
-              </a:rPr>
-              <a:t>문자를 앞에서 하나 제거</a:t>
-            </a:r>
-            <a:endParaRPr lang="en-US" altLang="ko-KR" dirty="0">
-              <a:latin typeface="+mn-ea"/>
-            </a:endParaRPr>
-          </a:p>
-          <a:p>
-            <a:pPr lvl="2"/>
-            <a:r>
-              <a:rPr lang="en-US" altLang="ko-KR" dirty="0" err="1">
-                <a:latin typeface="+mn-ea"/>
-              </a:rPr>
-              <a:t>abcdef</a:t>
-            </a:r>
-            <a:r>
-              <a:rPr lang="en-US" altLang="ko-KR" dirty="0">
-                <a:latin typeface="+mn-ea"/>
-              </a:rPr>
-              <a:t> -&gt; </a:t>
-            </a:r>
-            <a:r>
-              <a:rPr lang="en-US" altLang="ko-KR" dirty="0" err="1">
-                <a:latin typeface="+mn-ea"/>
-              </a:rPr>
-              <a:t>bcdef</a:t>
-            </a:r>
-            <a:endParaRPr lang="en-US" altLang="ko-KR" dirty="0">
-              <a:latin typeface="+mn-ea"/>
-            </a:endParaRPr>
-          </a:p>
-          <a:p>
-            <a:pPr lvl="1"/>
-            <a:r>
-              <a:rPr lang="en-US" altLang="ko-KR" dirty="0">
-                <a:latin typeface="+mn-ea"/>
-              </a:rPr>
-              <a:t>O – </a:t>
-            </a:r>
-            <a:r>
-              <a:rPr lang="ko-KR" altLang="en-US" dirty="0">
-                <a:latin typeface="+mn-ea"/>
-              </a:rPr>
-              <a:t>지정된 범위 문자 제거</a:t>
-            </a:r>
-            <a:endParaRPr lang="en-US" altLang="ko-KR" dirty="0">
-              <a:latin typeface="+mn-ea"/>
-            </a:endParaRPr>
-          </a:p>
-          <a:p>
-            <a:pPr lvl="2"/>
-            <a:r>
-              <a:rPr lang="en-US" altLang="ko-KR" dirty="0">
-                <a:latin typeface="+mn-ea"/>
-              </a:rPr>
-              <a:t>(O13 = str[0:5]-&gt;str[0,4,5]) : </a:t>
-            </a:r>
-            <a:r>
-              <a:rPr lang="en-US" altLang="ko-KR" dirty="0" err="1">
-                <a:latin typeface="+mn-ea"/>
-              </a:rPr>
-              <a:t>abcdef</a:t>
-            </a:r>
-            <a:r>
-              <a:rPr lang="en-US" altLang="ko-KR" dirty="0">
-                <a:latin typeface="+mn-ea"/>
-              </a:rPr>
-              <a:t> -&gt; </a:t>
-            </a:r>
-            <a:r>
-              <a:rPr lang="en-US" altLang="ko-KR" dirty="0" err="1">
-                <a:latin typeface="+mn-ea"/>
-              </a:rPr>
-              <a:t>aef</a:t>
-            </a:r>
-            <a:endParaRPr lang="en-US" altLang="ko-KR" dirty="0">
-              <a:latin typeface="+mn-ea"/>
-            </a:endParaRPr>
-          </a:p>
-          <a:p>
-            <a:pPr lvl="1"/>
-            <a:r>
-              <a:rPr lang="en-US" altLang="ko-KR" dirty="0">
-                <a:latin typeface="+mn-ea"/>
-              </a:rPr>
-              <a:t>Y – </a:t>
-            </a:r>
-            <a:r>
-              <a:rPr lang="ko-KR" altLang="en-US" dirty="0">
-                <a:latin typeface="+mn-ea"/>
-              </a:rPr>
-              <a:t>문자열 뒤에서 지정된 개수만큼의 문자열을 가져와 추가</a:t>
-            </a:r>
-            <a:endParaRPr lang="en-US" altLang="ko-KR" dirty="0">
-              <a:latin typeface="+mn-ea"/>
-            </a:endParaRPr>
-          </a:p>
-          <a:p>
-            <a:pPr lvl="2"/>
-            <a:r>
-              <a:rPr lang="en-US" altLang="ko-KR" dirty="0">
-                <a:latin typeface="+mn-ea"/>
-              </a:rPr>
-              <a:t>Y3 : </a:t>
-            </a:r>
-            <a:r>
-              <a:rPr lang="en-US" altLang="ko-KR" dirty="0" err="1">
-                <a:latin typeface="+mn-ea"/>
-              </a:rPr>
-              <a:t>abcdef</a:t>
-            </a:r>
-            <a:r>
-              <a:rPr lang="en-US" altLang="ko-KR" dirty="0">
-                <a:latin typeface="+mn-ea"/>
-              </a:rPr>
-              <a:t> -&gt; </a:t>
-            </a:r>
-            <a:r>
-              <a:rPr lang="en-US" altLang="ko-KR" dirty="0" err="1">
-                <a:latin typeface="+mn-ea"/>
-              </a:rPr>
-              <a:t>abcdefdef</a:t>
-            </a:r>
-            <a:endParaRPr lang="en-US" altLang="ko-KR" dirty="0">
-              <a:latin typeface="+mn-ea"/>
-            </a:endParaRPr>
-          </a:p>
-          <a:p>
-            <a:pPr lvl="2"/>
-            <a:r>
-              <a:rPr lang="en-US" altLang="ko-KR" dirty="0">
-                <a:latin typeface="+mn-ea"/>
-              </a:rPr>
-              <a:t>Y4 : </a:t>
-            </a:r>
-            <a:r>
-              <a:rPr lang="en-US" altLang="ko-KR" dirty="0" err="1">
-                <a:latin typeface="+mn-ea"/>
-              </a:rPr>
-              <a:t>abcdef</a:t>
-            </a:r>
-            <a:r>
-              <a:rPr lang="en-US" altLang="ko-KR" dirty="0">
-                <a:latin typeface="+mn-ea"/>
-              </a:rPr>
-              <a:t> -&gt; </a:t>
-            </a:r>
-            <a:r>
-              <a:rPr lang="en-US" altLang="ko-KR" dirty="0" err="1">
-                <a:latin typeface="+mn-ea"/>
-              </a:rPr>
-              <a:t>abcdefcdef</a:t>
-            </a:r>
-            <a:endParaRPr lang="en-US" altLang="ko-KR" dirty="0">
-              <a:latin typeface="+mn-ea"/>
-            </a:endParaRPr>
-          </a:p>
-          <a:p>
-            <a:pPr lvl="2"/>
-            <a:r>
-              <a:rPr lang="en-US" altLang="ko-KR" dirty="0">
-                <a:latin typeface="+mn-ea"/>
-              </a:rPr>
-              <a:t>Y5 : </a:t>
-            </a:r>
-            <a:r>
-              <a:rPr lang="en-US" altLang="ko-KR" dirty="0" err="1">
-                <a:latin typeface="+mn-ea"/>
-              </a:rPr>
-              <a:t>abcdef</a:t>
-            </a:r>
-            <a:r>
-              <a:rPr lang="en-US" altLang="ko-KR" dirty="0">
-                <a:latin typeface="+mn-ea"/>
-              </a:rPr>
-              <a:t> -&gt; </a:t>
-            </a:r>
-            <a:r>
-              <a:rPr lang="en-US" altLang="ko-KR" dirty="0" err="1">
-                <a:latin typeface="+mn-ea"/>
-              </a:rPr>
-              <a:t>abcdefbcdef</a:t>
-            </a:r>
-            <a:endParaRPr lang="en-US" altLang="ko-KR" dirty="0">
-              <a:latin typeface="+mn-ea"/>
-            </a:endParaRPr>
-          </a:p>
-          <a:p>
-            <a:pPr lvl="1"/>
-            <a:endParaRPr lang="en-US" altLang="ko-KR" dirty="0">
-              <a:latin typeface="+mn-ea"/>
-              <a:ea typeface="+mn-ea"/>
-            </a:endParaRPr>
-          </a:p>
-          <a:p>
-            <a:pPr lvl="1"/>
-            <a:endParaRPr lang="en-US" altLang="ko-KR" dirty="0">
-              <a:latin typeface="+mn-ea"/>
-              <a:ea typeface="+mn-ea"/>
-            </a:endParaRPr>
-          </a:p>
-          <a:p>
-            <a:pPr marL="457200" lvl="1" indent="0">
-              <a:buNone/>
-            </a:pPr>
-            <a:endParaRPr lang="en-US" altLang="ko-KR" dirty="0">
-              <a:latin typeface="+mn-ea"/>
-              <a:ea typeface="+mn-ea"/>
-            </a:endParaRPr>
-          </a:p>
-          <a:p>
-            <a:pPr marL="457200" lvl="1" indent="0">
-              <a:buNone/>
-            </a:pPr>
-            <a:endParaRPr lang="en-US" altLang="ko-KR" dirty="0">
-              <a:latin typeface="+mn-ea"/>
-              <a:ea typeface="+mn-ea"/>
-            </a:endParaRPr>
-          </a:p>
-          <a:p>
-            <a:pPr lvl="1"/>
-            <a:endParaRPr lang="ko-KR" altLang="en-US" dirty="0">
-              <a:latin typeface="+mn-ea"/>
-              <a:ea typeface="+mn-ea"/>
-            </a:endParaRPr>
-          </a:p>
-        </p:txBody>
-      </p:sp>
-    </p:spTree>
-    <p:extLst>
-      <p:ext uri="{BB962C8B-B14F-4D97-AF65-F5344CB8AC3E}">
-        <p14:creationId xmlns:p14="http://schemas.microsoft.com/office/powerpoint/2010/main" val="125639563"/>
-      </p:ext>
-    </p:extLst>
-  </p:cSld>
-  <p:clrMapOvr>
-    <a:masterClrMapping/>
-  </p:clrMapOvr>
-</p:sld>
-</file>
-
-<file path=ppt/slides/slide11.xml><?xml version="1.0" encoding="utf-8"?>
-<p:sld xmlns:a="http://schemas.openxmlformats.org/drawingml/2006/main" xmlns:r="http://schemas.openxmlformats.org/officeDocument/2006/relationships" xmlns:p="http://schemas.openxmlformats.org/presentationml/2006/main">
-  <p:cSld>
-    <p:spTree>
-      <p:nvGrpSpPr>
-        <p:cNvPr id="1" name=""/>
-        <p:cNvGrpSpPr/>
-        <p:nvPr/>
-      </p:nvGrpSpPr>
-      <p:grpSpPr>
-        <a:xfrm>
-          <a:off x="0" y="0"/>
-          <a:ext cx="0" cy="0"/>
-          <a:chOff x="0" y="0"/>
-          <a:chExt cx="0" cy="0"/>
-        </a:xfrm>
-      </p:grpSpPr>
-      <p:sp>
-        <p:nvSpPr>
-          <p:cNvPr id="2" name="제목 1">
-            <a:extLst>
-              <a:ext uri="{FF2B5EF4-FFF2-40B4-BE49-F238E27FC236}">
-                <a16:creationId xmlns:a16="http://schemas.microsoft.com/office/drawing/2014/main" id="{2BD74A9D-227D-42C8-954E-4D254AD9D44B}"/>
-              </a:ext>
-            </a:extLst>
-          </p:cNvPr>
-          <p:cNvSpPr>
-            <a:spLocks noGrp="1"/>
-          </p:cNvSpPr>
-          <p:nvPr>
-            <p:ph type="title"/>
-          </p:nvPr>
-        </p:nvSpPr>
-        <p:spPr/>
-        <p:txBody>
-          <a:bodyPr/>
-          <a:lstStyle/>
-          <a:p>
-            <a:r>
-              <a:rPr lang="ko-KR" altLang="en-US" dirty="0"/>
-              <a:t>데이터 생성</a:t>
-            </a:r>
-          </a:p>
-        </p:txBody>
-      </p:sp>
-      <p:sp>
-        <p:nvSpPr>
-          <p:cNvPr id="3" name="내용 개체 틀 2">
-            <a:extLst>
-              <a:ext uri="{FF2B5EF4-FFF2-40B4-BE49-F238E27FC236}">
-                <a16:creationId xmlns:a16="http://schemas.microsoft.com/office/drawing/2014/main" id="{CA7E4457-89E6-4A58-A123-EDF58E946C2F}"/>
-              </a:ext>
-            </a:extLst>
-          </p:cNvPr>
-          <p:cNvSpPr>
-            <a:spLocks noGrp="1"/>
-          </p:cNvSpPr>
-          <p:nvPr>
-            <p:ph idx="1"/>
-          </p:nvPr>
-        </p:nvSpPr>
-        <p:spPr/>
-        <p:txBody>
-          <a:bodyPr>
-            <a:normAutofit/>
-          </a:bodyPr>
-          <a:lstStyle/>
-          <a:p>
-            <a:r>
-              <a:rPr lang="en-US" altLang="ko-KR" dirty="0" err="1">
-                <a:latin typeface="맑은 고딕" panose="020B0503020000020004" pitchFamily="50" charset="-127"/>
-                <a:ea typeface="맑은 고딕" panose="020B0503020000020004" pitchFamily="50" charset="-127"/>
-              </a:rPr>
-              <a:t>Hashcat</a:t>
-            </a:r>
-            <a:endParaRPr lang="en-US" altLang="ko-KR" dirty="0">
-              <a:latin typeface="맑은 고딕" panose="020B0503020000020004" pitchFamily="50" charset="-127"/>
-              <a:ea typeface="맑은 고딕" panose="020B0503020000020004" pitchFamily="50" charset="-127"/>
-            </a:endParaRPr>
-          </a:p>
-          <a:p>
-            <a:pPr lvl="1"/>
-            <a:r>
-              <a:rPr lang="en-US" altLang="ko-KR" dirty="0">
-                <a:latin typeface="맑은 고딕" panose="020B0503020000020004" pitchFamily="50" charset="-127"/>
-                <a:ea typeface="맑은 고딕" panose="020B0503020000020004" pitchFamily="50" charset="-127"/>
-              </a:rPr>
-              <a:t>cat ‘</a:t>
-            </a:r>
-            <a:r>
-              <a:rPr lang="ko-KR" altLang="en-US" dirty="0">
-                <a:latin typeface="맑은 고딕" panose="020B0503020000020004" pitchFamily="50" charset="-127"/>
-                <a:ea typeface="맑은 고딕" panose="020B0503020000020004" pitchFamily="50" charset="-127"/>
-              </a:rPr>
-              <a:t>원본 사전＇</a:t>
-            </a:r>
-            <a:r>
-              <a:rPr lang="en-US" altLang="ko-KR" dirty="0">
-                <a:latin typeface="맑은 고딕" panose="020B0503020000020004" pitchFamily="50" charset="-127"/>
-                <a:ea typeface="맑은 고딕" panose="020B0503020000020004" pitchFamily="50" charset="-127"/>
-              </a:rPr>
-              <a:t> | </a:t>
-            </a:r>
-            <a:r>
-              <a:rPr lang="en-US" altLang="ko-KR" dirty="0" err="1">
-                <a:latin typeface="맑은 고딕" panose="020B0503020000020004" pitchFamily="50" charset="-127"/>
-                <a:ea typeface="맑은 고딕" panose="020B0503020000020004" pitchFamily="50" charset="-127"/>
-              </a:rPr>
-              <a:t>hashcat</a:t>
-            </a:r>
-            <a:r>
-              <a:rPr lang="en-US" altLang="ko-KR" dirty="0">
-                <a:latin typeface="맑은 고딕" panose="020B0503020000020004" pitchFamily="50" charset="-127"/>
-                <a:ea typeface="맑은 고딕" panose="020B0503020000020004" pitchFamily="50" charset="-127"/>
-              </a:rPr>
-              <a:t> -r ‘</a:t>
-            </a:r>
-            <a:r>
-              <a:rPr lang="ko-KR" altLang="en-US" dirty="0">
-                <a:latin typeface="맑은 고딕" panose="020B0503020000020004" pitchFamily="50" charset="-127"/>
-                <a:ea typeface="맑은 고딕" panose="020B0503020000020004" pitchFamily="50" charset="-127"/>
-              </a:rPr>
-              <a:t>규칙파일</a:t>
-            </a:r>
-            <a:r>
-              <a:rPr lang="en-US" altLang="ko-KR" dirty="0">
-                <a:latin typeface="맑은 고딕" panose="020B0503020000020004" pitchFamily="50" charset="-127"/>
-                <a:ea typeface="맑은 고딕" panose="020B0503020000020004" pitchFamily="50" charset="-127"/>
-              </a:rPr>
-              <a:t>’ --</a:t>
-            </a:r>
-            <a:r>
-              <a:rPr lang="en-US" altLang="ko-KR" dirty="0" err="1">
-                <a:latin typeface="맑은 고딕" panose="020B0503020000020004" pitchFamily="50" charset="-127"/>
-                <a:ea typeface="맑은 고딕" panose="020B0503020000020004" pitchFamily="50" charset="-127"/>
-              </a:rPr>
-              <a:t>stdout</a:t>
-            </a:r>
-            <a:endParaRPr lang="en-US" altLang="ko-KR" dirty="0">
-              <a:latin typeface="맑은 고딕" panose="020B0503020000020004" pitchFamily="50" charset="-127"/>
-              <a:ea typeface="맑은 고딕" panose="020B0503020000020004" pitchFamily="50" charset="-127"/>
-            </a:endParaRPr>
-          </a:p>
-          <a:p>
-            <a:pPr lvl="1"/>
-            <a:r>
-              <a:rPr lang="ko-KR" altLang="en-US" dirty="0">
-                <a:latin typeface="맑은 고딕" panose="020B0503020000020004" pitchFamily="50" charset="-127"/>
-                <a:ea typeface="맑은 고딕" panose="020B0503020000020004" pitchFamily="50" charset="-127"/>
-              </a:rPr>
-              <a:t>위 명령어를 통해 원본 사전에 있는 단어들이 </a:t>
-            </a:r>
-            <a:r>
-              <a:rPr lang="en-US" altLang="ko-KR" dirty="0">
-                <a:latin typeface="맑은 고딕" panose="020B0503020000020004" pitchFamily="50" charset="-127"/>
-                <a:ea typeface="맑은 고딕" panose="020B0503020000020004" pitchFamily="50" charset="-127"/>
-              </a:rPr>
-              <a:t>rule</a:t>
-            </a:r>
-            <a:r>
-              <a:rPr lang="ko-KR" altLang="en-US" dirty="0">
-                <a:latin typeface="맑은 고딕" panose="020B0503020000020004" pitchFamily="50" charset="-127"/>
-                <a:ea typeface="맑은 고딕" panose="020B0503020000020004" pitchFamily="50" charset="-127"/>
-              </a:rPr>
-              <a:t>파일 내에 있는 규칙에 맞는 데이터로 변경</a:t>
-            </a:r>
-            <a:endParaRPr lang="en-US" altLang="ko-KR" dirty="0">
-              <a:latin typeface="맑은 고딕" panose="020B0503020000020004" pitchFamily="50" charset="-127"/>
-              <a:ea typeface="맑은 고딕" panose="020B0503020000020004" pitchFamily="50" charset="-127"/>
-            </a:endParaRPr>
-          </a:p>
-          <a:p>
-            <a:pPr lvl="1"/>
-            <a:r>
-              <a:rPr lang="en-US" altLang="ko-KR" dirty="0">
-                <a:latin typeface="맑은 고딕" panose="020B0503020000020004" pitchFamily="50" charset="-127"/>
-                <a:ea typeface="맑은 고딕" panose="020B0503020000020004" pitchFamily="50" charset="-127"/>
-              </a:rPr>
-              <a:t>‘</a:t>
-            </a:r>
-            <a:r>
-              <a:rPr lang="ko-KR" altLang="en-US" dirty="0">
-                <a:latin typeface="맑은 고딕" panose="020B0503020000020004" pitchFamily="50" charset="-127"/>
-                <a:ea typeface="맑은 고딕" panose="020B0503020000020004" pitchFamily="50" charset="-127"/>
-              </a:rPr>
-              <a:t>패스워드</a:t>
-            </a:r>
-            <a:r>
-              <a:rPr lang="en-US" altLang="ko-KR" dirty="0">
-                <a:latin typeface="맑은 고딕" panose="020B0503020000020004" pitchFamily="50" charset="-127"/>
-                <a:ea typeface="맑은 고딕" panose="020B0503020000020004" pitchFamily="50" charset="-127"/>
-              </a:rPr>
-              <a:t>\t</a:t>
-            </a:r>
-            <a:r>
-              <a:rPr lang="ko-KR" altLang="en-US" dirty="0">
-                <a:latin typeface="맑은 고딕" panose="020B0503020000020004" pitchFamily="50" charset="-127"/>
-                <a:ea typeface="맑은 고딕" panose="020B0503020000020004" pitchFamily="50" charset="-127"/>
-              </a:rPr>
-              <a:t>클래스</a:t>
-            </a:r>
-            <a:r>
-              <a:rPr lang="en-US" altLang="ko-KR" dirty="0">
-                <a:latin typeface="맑은 고딕" panose="020B0503020000020004" pitchFamily="50" charset="-127"/>
-                <a:ea typeface="맑은 고딕" panose="020B0503020000020004" pitchFamily="50" charset="-127"/>
-              </a:rPr>
-              <a:t>’ </a:t>
-            </a:r>
-            <a:r>
-              <a:rPr lang="ko-KR" altLang="en-US" dirty="0">
-                <a:latin typeface="맑은 고딕" panose="020B0503020000020004" pitchFamily="50" charset="-127"/>
-                <a:ea typeface="맑은 고딕" panose="020B0503020000020004" pitchFamily="50" charset="-127"/>
-              </a:rPr>
-              <a:t>형태로 출력</a:t>
-            </a:r>
-            <a:endParaRPr lang="en-US" altLang="ko-KR" dirty="0">
-              <a:latin typeface="맑은 고딕" panose="020B0503020000020004" pitchFamily="50" charset="-127"/>
-              <a:ea typeface="맑은 고딕" panose="020B0503020000020004" pitchFamily="50" charset="-127"/>
-            </a:endParaRPr>
-          </a:p>
-          <a:p>
-            <a:pPr lvl="1"/>
-            <a:endParaRPr lang="en-US" altLang="ko-KR" dirty="0">
-              <a:latin typeface="+mn-ea"/>
-            </a:endParaRPr>
-          </a:p>
-          <a:p>
-            <a:pPr lvl="1"/>
-            <a:endParaRPr lang="en-US" altLang="ko-KR" dirty="0">
-              <a:latin typeface="+mn-ea"/>
-              <a:ea typeface="+mn-ea"/>
-            </a:endParaRPr>
-          </a:p>
-          <a:p>
-            <a:pPr lvl="1"/>
-            <a:endParaRPr lang="en-US" altLang="ko-KR" dirty="0">
-              <a:latin typeface="+mn-ea"/>
-              <a:ea typeface="+mn-ea"/>
-            </a:endParaRPr>
-          </a:p>
-          <a:p>
-            <a:pPr marL="457200" lvl="1" indent="0">
-              <a:buNone/>
-            </a:pPr>
-            <a:endParaRPr lang="en-US" altLang="ko-KR" dirty="0">
-              <a:latin typeface="+mn-ea"/>
-              <a:ea typeface="+mn-ea"/>
-            </a:endParaRPr>
-          </a:p>
-          <a:p>
-            <a:pPr marL="457200" lvl="1" indent="0">
-              <a:buNone/>
-            </a:pPr>
-            <a:endParaRPr lang="en-US" altLang="ko-KR" dirty="0">
-              <a:latin typeface="+mn-ea"/>
-              <a:ea typeface="+mn-ea"/>
-            </a:endParaRPr>
-          </a:p>
-          <a:p>
-            <a:pPr lvl="1"/>
-            <a:endParaRPr lang="ko-KR" altLang="en-US" dirty="0">
-              <a:latin typeface="+mn-ea"/>
-              <a:ea typeface="+mn-ea"/>
-            </a:endParaRPr>
-          </a:p>
-        </p:txBody>
-      </p:sp>
-    </p:spTree>
-    <p:extLst>
-      <p:ext uri="{BB962C8B-B14F-4D97-AF65-F5344CB8AC3E}">
-        <p14:creationId xmlns:p14="http://schemas.microsoft.com/office/powerpoint/2010/main" val="3462097666"/>
-      </p:ext>
-    </p:extLst>
-  </p:cSld>
-  <p:clrMapOvr>
-    <a:masterClrMapping/>
-  </p:clrMapOvr>
-</p:sld>
-</file>
-
 <file path=ppt/slides/slide2.xml><?xml version="1.0" encoding="utf-8"?>
 <p:sld xmlns:a="http://schemas.openxmlformats.org/drawingml/2006/main" xmlns:r="http://schemas.openxmlformats.org/officeDocument/2006/relationships" xmlns:p="http://schemas.openxmlformats.org/presentationml/2006/main">
   <p:cSld>
@@ -5495,6 +4790,42 @@
           </a:p>
         </p:txBody>
       </p:sp>
+      <p:pic>
+        <p:nvPicPr>
+          <p:cNvPr id="3" name="그림 2">
+            <a:extLst>
+              <a:ext uri="{FF2B5EF4-FFF2-40B4-BE49-F238E27FC236}">
+                <a16:creationId xmlns:a16="http://schemas.microsoft.com/office/drawing/2014/main" id="{790653BD-7304-4172-8DE6-FF1565EB5144}"/>
+              </a:ext>
+            </a:extLst>
+          </p:cNvPr>
+          <p:cNvPicPr>
+            <a:picLocks noChangeAspect="1"/>
+          </p:cNvPicPr>
+          <p:nvPr/>
+        </p:nvPicPr>
+        <p:blipFill>
+          <a:blip r:embed="rId2" cstate="print">
+            <a:extLst>
+              <a:ext uri="{28A0092B-C50C-407E-A947-70E740481C1C}">
+                <a14:useLocalDpi xmlns:a14="http://schemas.microsoft.com/office/drawing/2010/main" val="0"/>
+              </a:ext>
+            </a:extLst>
+          </a:blip>
+          <a:stretch>
+            <a:fillRect/>
+          </a:stretch>
+        </p:blipFill>
+        <p:spPr>
+          <a:xfrm>
+            <a:off x="706171" y="1335009"/>
+            <a:ext cx="7731658" cy="4187982"/>
+          </a:xfrm>
+          <a:prstGeom prst="rect">
+            <a:avLst/>
+          </a:prstGeom>
+        </p:spPr>
+      </p:pic>
     </p:spTree>
     <p:extLst>
       <p:ext uri="{BB962C8B-B14F-4D97-AF65-F5344CB8AC3E}">
@@ -5548,242 +4879,326 @@
           <a:p>
             <a:r>
               <a:rPr lang="en-US" altLang="ko-KR" dirty="0"/>
-              <a:t>Class</a:t>
+              <a:t>PPT</a:t>
             </a:r>
             <a:endParaRPr lang="ko-KR" altLang="en-US" dirty="0"/>
+          </a:p>
+        </p:txBody>
+      </p:sp>
+      <p:pic>
+        <p:nvPicPr>
+          <p:cNvPr id="3" name="그림 2">
+            <a:extLst>
+              <a:ext uri="{FF2B5EF4-FFF2-40B4-BE49-F238E27FC236}">
+                <a16:creationId xmlns:a16="http://schemas.microsoft.com/office/drawing/2014/main" id="{790653BD-7304-4172-8DE6-FF1565EB5144}"/>
+              </a:ext>
+            </a:extLst>
+          </p:cNvPr>
+          <p:cNvPicPr>
+            <a:picLocks noChangeAspect="1"/>
+          </p:cNvPicPr>
+          <p:nvPr/>
+        </p:nvPicPr>
+        <p:blipFill rotWithShape="1">
+          <a:blip r:embed="rId2">
+            <a:extLst>
+              <a:ext uri="{28A0092B-C50C-407E-A947-70E740481C1C}">
+                <a14:useLocalDpi xmlns:a14="http://schemas.microsoft.com/office/drawing/2010/main" val="0"/>
+              </a:ext>
+            </a:extLst>
+          </a:blip>
+          <a:srcRect l="17682" r="42154" b="51675"/>
+          <a:stretch/>
+        </p:blipFill>
+        <p:spPr>
+          <a:xfrm>
+            <a:off x="1671852" y="1538901"/>
+            <a:ext cx="5800296" cy="3780198"/>
+          </a:xfrm>
+          <a:prstGeom prst="rect">
+            <a:avLst/>
+          </a:prstGeom>
+        </p:spPr>
+      </p:pic>
+      <p:sp>
+        <p:nvSpPr>
+          <p:cNvPr id="4" name="직사각형 3">
+            <a:extLst>
+              <a:ext uri="{FF2B5EF4-FFF2-40B4-BE49-F238E27FC236}">
+                <a16:creationId xmlns:a16="http://schemas.microsoft.com/office/drawing/2014/main" id="{2B666C75-D22E-43A6-9179-2D7954C80EBF}"/>
+              </a:ext>
+            </a:extLst>
+          </p:cNvPr>
+          <p:cNvSpPr/>
+          <p:nvPr/>
+        </p:nvSpPr>
+        <p:spPr>
+          <a:xfrm>
+            <a:off x="1892173" y="3983525"/>
+            <a:ext cx="1611517" cy="271604"/>
+          </a:xfrm>
+          <a:prstGeom prst="rect">
+            <a:avLst/>
+          </a:prstGeom>
+          <a:noFill/>
+          <a:ln w="63500">
+            <a:solidFill>
+              <a:srgbClr val="FF0000"/>
+            </a:solidFill>
+          </a:ln>
+        </p:spPr>
+        <p:style>
+          <a:lnRef idx="2">
+            <a:schemeClr val="accent1">
+              <a:shade val="50000"/>
+            </a:schemeClr>
+          </a:lnRef>
+          <a:fillRef idx="1">
+            <a:schemeClr val="accent1"/>
+          </a:fillRef>
+          <a:effectRef idx="0">
+            <a:schemeClr val="accent1"/>
+          </a:effectRef>
+          <a:fontRef idx="minor">
+            <a:schemeClr val="lt1"/>
+          </a:fontRef>
+        </p:style>
+        <p:txBody>
+          <a:bodyPr rtlCol="0" anchor="ctr"/>
+          <a:lstStyle/>
+          <a:p>
+            <a:pPr algn="ctr"/>
+            <a:endParaRPr lang="ko-KR" altLang="en-US"/>
           </a:p>
         </p:txBody>
       </p:sp>
       <p:sp>
         <p:nvSpPr>
-          <p:cNvPr id="3" name="내용 개체 틀 2">
+          <p:cNvPr id="6" name="직사각형 5">
             <a:extLst>
               <a:ext uri="{FF2B5EF4-FFF2-40B4-BE49-F238E27FC236}">
-                <a16:creationId xmlns:a16="http://schemas.microsoft.com/office/drawing/2014/main" id="{CA7E4457-89E6-4A58-A123-EDF58E946C2F}"/>
+                <a16:creationId xmlns:a16="http://schemas.microsoft.com/office/drawing/2014/main" id="{12121B9B-5DE3-4932-92E2-141E3DDCE672}"/>
               </a:ext>
             </a:extLst>
           </p:cNvPr>
-          <p:cNvSpPr>
-            <a:spLocks noGrp="1"/>
-          </p:cNvSpPr>
-          <p:nvPr>
-            <p:ph idx="1"/>
-          </p:nvPr>
+          <p:cNvSpPr/>
+          <p:nvPr/>
         </p:nvSpPr>
-        <p:spPr/>
+        <p:spPr>
+          <a:xfrm>
+            <a:off x="2035519" y="4579544"/>
+            <a:ext cx="1611517" cy="271604"/>
+          </a:xfrm>
+          <a:prstGeom prst="rect">
+            <a:avLst/>
+          </a:prstGeom>
+          <a:noFill/>
+          <a:ln w="63500">
+            <a:solidFill>
+              <a:schemeClr val="accent1"/>
+            </a:solidFill>
+          </a:ln>
+        </p:spPr>
+        <p:style>
+          <a:lnRef idx="2">
+            <a:schemeClr val="accent1">
+              <a:shade val="50000"/>
+            </a:schemeClr>
+          </a:lnRef>
+          <a:fillRef idx="1">
+            <a:schemeClr val="accent1"/>
+          </a:fillRef>
+          <a:effectRef idx="0">
+            <a:schemeClr val="accent1"/>
+          </a:effectRef>
+          <a:fontRef idx="minor">
+            <a:schemeClr val="lt1"/>
+          </a:fontRef>
+        </p:style>
         <p:txBody>
-          <a:bodyPr>
-            <a:normAutofit lnSpcReduction="10000"/>
+          <a:bodyPr rtlCol="0" anchor="ctr"/>
+          <a:lstStyle/>
+          <a:p>
+            <a:pPr algn="ctr"/>
+            <a:endParaRPr lang="ko-KR" altLang="en-US"/>
+          </a:p>
+        </p:txBody>
+      </p:sp>
+      <p:sp>
+        <p:nvSpPr>
+          <p:cNvPr id="7" name="TextBox 6">
+            <a:extLst>
+              <a:ext uri="{FF2B5EF4-FFF2-40B4-BE49-F238E27FC236}">
+                <a16:creationId xmlns:a16="http://schemas.microsoft.com/office/drawing/2014/main" id="{5E9D9085-FDB0-455C-911B-09E5B999757A}"/>
+              </a:ext>
+            </a:extLst>
+          </p:cNvPr>
+          <p:cNvSpPr txBox="1"/>
+          <p:nvPr/>
+        </p:nvSpPr>
+        <p:spPr>
+          <a:xfrm>
+            <a:off x="190123" y="3152240"/>
+            <a:ext cx="2829621" cy="369332"/>
+          </a:xfrm>
+          <a:prstGeom prst="rect">
+            <a:avLst/>
+          </a:prstGeom>
+          <a:noFill/>
+        </p:spPr>
+        <p:txBody>
+          <a:bodyPr wrap="none" rtlCol="0">
+            <a:spAutoFit/>
           </a:bodyPr>
           <a:lstStyle/>
           <a:p>
             <a:r>
-              <a:rPr lang="ko-KR" altLang="en-US" dirty="0">
-                <a:latin typeface="맑은 고딕" panose="020B0503020000020004" pitchFamily="50" charset="-127"/>
-                <a:ea typeface="맑은 고딕" panose="020B0503020000020004" pitchFamily="50" charset="-127"/>
-              </a:rPr>
-              <a:t>문자 제거</a:t>
-            </a:r>
-            <a:endParaRPr lang="en-US" altLang="ko-KR" dirty="0">
-              <a:latin typeface="맑은 고딕" panose="020B0503020000020004" pitchFamily="50" charset="-127"/>
-              <a:ea typeface="맑은 고딕" panose="020B0503020000020004" pitchFamily="50" charset="-127"/>
-            </a:endParaRPr>
-          </a:p>
-          <a:p>
-            <a:pPr lvl="1"/>
-            <a:r>
-              <a:rPr lang="en-US" altLang="ko-KR" dirty="0">
-                <a:latin typeface="+mn-ea"/>
-                <a:ea typeface="+mn-ea"/>
-              </a:rPr>
-              <a:t>D2 / D2</a:t>
-            </a:r>
-            <a:r>
-              <a:rPr lang="ko-KR" altLang="en-US" dirty="0">
-                <a:latin typeface="+mn-ea"/>
-                <a:ea typeface="+mn-ea"/>
-              </a:rPr>
-              <a:t> </a:t>
-            </a:r>
-            <a:r>
-              <a:rPr lang="en-US" altLang="ko-KR" dirty="0">
-                <a:latin typeface="+mn-ea"/>
-                <a:ea typeface="+mn-ea"/>
-              </a:rPr>
-              <a:t>D2</a:t>
-            </a:r>
-          </a:p>
-          <a:p>
-            <a:pPr lvl="1"/>
-            <a:r>
-              <a:rPr lang="en-US" altLang="ko-KR" dirty="0">
-                <a:latin typeface="+mn-ea"/>
-                <a:ea typeface="+mn-ea"/>
-              </a:rPr>
-              <a:t>D3 / D4</a:t>
-            </a:r>
-          </a:p>
-          <a:p>
-            <a:pPr lvl="1"/>
-            <a:r>
-              <a:rPr lang="en-US" altLang="ko-KR" dirty="0">
-                <a:latin typeface="+mn-ea"/>
-                <a:ea typeface="+mn-ea"/>
-              </a:rPr>
-              <a:t>‘5 D3</a:t>
-            </a:r>
-          </a:p>
-          <a:p>
-            <a:pPr lvl="1"/>
-            <a:r>
-              <a:rPr lang="en-US" altLang="ko-KR" dirty="0">
-                <a:latin typeface="+mn-ea"/>
-                <a:ea typeface="+mn-ea"/>
-              </a:rPr>
-              <a:t>] / ] ] / ] ] ] / ] ] D1 ]</a:t>
-            </a:r>
-          </a:p>
-          <a:p>
-            <a:pPr lvl="1"/>
-            <a:r>
-              <a:rPr lang="en-US" altLang="ko-KR" dirty="0">
-                <a:latin typeface="+mn-ea"/>
-                <a:ea typeface="+mn-ea"/>
-              </a:rPr>
-              <a:t>O02 { { { { { { / } } } / } } } } ‘4 / } } } } } ‘5 / } } -0 O12</a:t>
-            </a:r>
-          </a:p>
-          <a:p>
-            <a:pPr lvl="1"/>
-            <a:endParaRPr lang="en-US" altLang="ko-KR" dirty="0">
-              <a:latin typeface="+mn-ea"/>
-              <a:ea typeface="+mn-ea"/>
-            </a:endParaRPr>
-          </a:p>
-          <a:p>
-            <a:r>
-              <a:rPr lang="ko-KR" altLang="en-US" dirty="0">
-                <a:latin typeface="맑은 고딕" panose="020B0503020000020004" pitchFamily="50" charset="-127"/>
-                <a:ea typeface="맑은 고딕" panose="020B0503020000020004" pitchFamily="50" charset="-127"/>
-              </a:rPr>
-              <a:t>문자 변경</a:t>
-            </a:r>
-            <a:endParaRPr lang="en-US" altLang="ko-KR" dirty="0">
-              <a:latin typeface="맑은 고딕" panose="020B0503020000020004" pitchFamily="50" charset="-127"/>
-              <a:ea typeface="맑은 고딕" panose="020B0503020000020004" pitchFamily="50" charset="-127"/>
-            </a:endParaRPr>
-          </a:p>
-          <a:p>
-            <a:pPr lvl="1"/>
-            <a:r>
-              <a:rPr lang="en-US" altLang="ko-KR" dirty="0">
-                <a:latin typeface="+mn-ea"/>
-              </a:rPr>
-              <a:t>] $a / ] ] $s / ] ] $a / ] ] $e $r / ] ] $</a:t>
-            </a:r>
-            <a:r>
-              <a:rPr lang="en-US" altLang="ko-KR" dirty="0" err="1">
-                <a:latin typeface="+mn-ea"/>
-              </a:rPr>
-              <a:t>i</a:t>
-            </a:r>
-            <a:r>
-              <a:rPr lang="en-US" altLang="ko-KR" dirty="0">
-                <a:latin typeface="+mn-ea"/>
-              </a:rPr>
-              <a:t> $e</a:t>
-            </a:r>
-          </a:p>
-          <a:p>
-            <a:pPr lvl="1"/>
-            <a:r>
-              <a:rPr lang="en-US" altLang="ko-KR" dirty="0">
-                <a:latin typeface="+mn-ea"/>
-              </a:rPr>
-              <a:t>] ] ] $o / ] ] ] $y / ] ] ] $1 $2 $3</a:t>
-            </a:r>
-          </a:p>
-          <a:p>
-            <a:pPr lvl="1"/>
-            <a:r>
-              <a:rPr lang="en-US" altLang="ko-KR" dirty="0">
-                <a:latin typeface="+mn-ea"/>
-              </a:rPr>
-              <a:t>] ] ] $m $a $n / ] ] ] $d $o $g</a:t>
-            </a:r>
-          </a:p>
-          <a:p>
-            <a:pPr lvl="1"/>
-            <a:r>
-              <a:rPr lang="en-US" altLang="ko-KR" sz="1800" dirty="0">
-                <a:latin typeface="+mn-ea"/>
-              </a:rPr>
-              <a:t>‘5 $1</a:t>
-            </a:r>
-          </a:p>
-          <a:p>
-            <a:pPr lvl="1"/>
-            <a:r>
-              <a:rPr lang="en-US" altLang="ko-KR" dirty="0">
-                <a:latin typeface="+mn-ea"/>
-              </a:rPr>
-              <a:t>] ] ] d</a:t>
-            </a:r>
-          </a:p>
-          <a:p>
-            <a:pPr lvl="1"/>
-            <a:r>
-              <a:rPr lang="en-US" altLang="ko-KR" dirty="0">
-                <a:latin typeface="+mn-ea"/>
-              </a:rPr>
-              <a:t>o0d / o0m o1a</a:t>
-            </a:r>
-          </a:p>
-          <a:p>
-            <a:pPr lvl="1"/>
-            <a:endParaRPr lang="en-US" altLang="ko-KR" dirty="0">
-              <a:latin typeface="+mn-ea"/>
-              <a:ea typeface="+mn-ea"/>
-            </a:endParaRPr>
-          </a:p>
-          <a:p>
-            <a:pPr lvl="1"/>
-            <a:endParaRPr lang="en-US" altLang="ko-KR" dirty="0">
-              <a:latin typeface="+mn-ea"/>
-              <a:ea typeface="+mn-ea"/>
-            </a:endParaRPr>
-          </a:p>
-          <a:p>
-            <a:pPr marL="457200" lvl="1" indent="0">
-              <a:buNone/>
-            </a:pPr>
-            <a:endParaRPr lang="en-US" altLang="ko-KR" dirty="0">
-              <a:latin typeface="+mn-ea"/>
-              <a:ea typeface="+mn-ea"/>
-            </a:endParaRPr>
-          </a:p>
-          <a:p>
-            <a:pPr marL="457200" lvl="1" indent="0">
-              <a:buNone/>
-            </a:pPr>
-            <a:endParaRPr lang="en-US" altLang="ko-KR" dirty="0">
-              <a:latin typeface="+mn-ea"/>
-              <a:ea typeface="+mn-ea"/>
-            </a:endParaRPr>
-          </a:p>
-          <a:p>
-            <a:pPr lvl="1"/>
-            <a:endParaRPr lang="ko-KR" altLang="en-US" dirty="0">
-              <a:latin typeface="+mn-ea"/>
-              <a:ea typeface="+mn-ea"/>
-            </a:endParaRPr>
+              <a:rPr lang="ko-KR" altLang="en-US" b="1" dirty="0">
+                <a:solidFill>
+                  <a:srgbClr val="FF0000"/>
+                </a:solidFill>
+              </a:rPr>
+              <a:t>교수님 정보검색 홈페이지</a:t>
+            </a:r>
           </a:p>
         </p:txBody>
       </p:sp>
+      <p:cxnSp>
+        <p:nvCxnSpPr>
+          <p:cNvPr id="9" name="연결선: 꺾임 8">
+            <a:extLst>
+              <a:ext uri="{FF2B5EF4-FFF2-40B4-BE49-F238E27FC236}">
+                <a16:creationId xmlns:a16="http://schemas.microsoft.com/office/drawing/2014/main" id="{BBA579FA-8645-4AEF-947B-E62957A826F2}"/>
+              </a:ext>
+            </a:extLst>
+          </p:cNvPr>
+          <p:cNvCxnSpPr>
+            <a:stCxn id="4" idx="1"/>
+            <a:endCxn id="7" idx="2"/>
+          </p:cNvCxnSpPr>
+          <p:nvPr/>
+        </p:nvCxnSpPr>
+        <p:spPr>
+          <a:xfrm rot="10800000">
+            <a:off x="1604935" y="3521573"/>
+            <a:ext cx="287239" cy="597755"/>
+          </a:xfrm>
+          <a:prstGeom prst="bentConnector2">
+            <a:avLst/>
+          </a:prstGeom>
+          <a:ln w="38100">
+            <a:solidFill>
+              <a:srgbClr val="FF0000"/>
+            </a:solidFill>
+            <a:tailEnd type="triangle"/>
+          </a:ln>
+        </p:spPr>
+        <p:style>
+          <a:lnRef idx="1">
+            <a:schemeClr val="accent1"/>
+          </a:lnRef>
+          <a:fillRef idx="0">
+            <a:schemeClr val="accent1"/>
+          </a:fillRef>
+          <a:effectRef idx="0">
+            <a:schemeClr val="accent1"/>
+          </a:effectRef>
+          <a:fontRef idx="minor">
+            <a:schemeClr val="tx1"/>
+          </a:fontRef>
+        </p:style>
+      </p:cxnSp>
+      <p:sp>
+        <p:nvSpPr>
+          <p:cNvPr id="10" name="TextBox 9">
+            <a:extLst>
+              <a:ext uri="{FF2B5EF4-FFF2-40B4-BE49-F238E27FC236}">
+                <a16:creationId xmlns:a16="http://schemas.microsoft.com/office/drawing/2014/main" id="{2435F701-58C9-47B6-9CD8-ED54FF9AA348}"/>
+              </a:ext>
+            </a:extLst>
+          </p:cNvPr>
+          <p:cNvSpPr txBox="1"/>
+          <p:nvPr/>
+        </p:nvSpPr>
+        <p:spPr>
+          <a:xfrm>
+            <a:off x="4018230" y="5134433"/>
+            <a:ext cx="2137124" cy="369332"/>
+          </a:xfrm>
+          <a:prstGeom prst="rect">
+            <a:avLst/>
+          </a:prstGeom>
+          <a:noFill/>
+        </p:spPr>
+        <p:txBody>
+          <a:bodyPr wrap="none" rtlCol="0">
+            <a:spAutoFit/>
+          </a:bodyPr>
+          <a:lstStyle/>
+          <a:p>
+            <a:r>
+              <a:rPr lang="ko-KR" altLang="en-US" b="1" dirty="0">
+                <a:solidFill>
+                  <a:srgbClr val="5B9BD5"/>
+                </a:solidFill>
+              </a:rPr>
+              <a:t>강의 자료 다운로드</a:t>
+            </a:r>
+          </a:p>
+        </p:txBody>
+      </p:sp>
+      <p:cxnSp>
+        <p:nvCxnSpPr>
+          <p:cNvPr id="11" name="연결선: 꺾임 10">
+            <a:extLst>
+              <a:ext uri="{FF2B5EF4-FFF2-40B4-BE49-F238E27FC236}">
+                <a16:creationId xmlns:a16="http://schemas.microsoft.com/office/drawing/2014/main" id="{6CF9C90E-E941-43C1-9815-8C61C1C335D6}"/>
+              </a:ext>
+            </a:extLst>
+          </p:cNvPr>
+          <p:cNvCxnSpPr>
+            <a:cxnSpLocks/>
+            <a:stCxn id="6" idx="3"/>
+            <a:endCxn id="10" idx="1"/>
+          </p:cNvCxnSpPr>
+          <p:nvPr/>
+        </p:nvCxnSpPr>
+        <p:spPr>
+          <a:xfrm>
+            <a:off x="3647036" y="4715346"/>
+            <a:ext cx="371194" cy="603753"/>
+          </a:xfrm>
+          <a:prstGeom prst="bentConnector3">
+            <a:avLst>
+              <a:gd name="adj1" fmla="val 50000"/>
+            </a:avLst>
+          </a:prstGeom>
+          <a:ln w="38100">
+            <a:solidFill>
+              <a:srgbClr val="5B9BD5"/>
+            </a:solidFill>
+            <a:tailEnd type="triangle"/>
+          </a:ln>
+        </p:spPr>
+        <p:style>
+          <a:lnRef idx="1">
+            <a:schemeClr val="accent1"/>
+          </a:lnRef>
+          <a:fillRef idx="0">
+            <a:schemeClr val="accent1"/>
+          </a:fillRef>
+          <a:effectRef idx="0">
+            <a:schemeClr val="accent1"/>
+          </a:effectRef>
+          <a:fontRef idx="minor">
+            <a:schemeClr val="tx1"/>
+          </a:fontRef>
+        </p:style>
+      </p:cxnSp>
     </p:spTree>
     <p:extLst>
       <p:ext uri="{BB962C8B-B14F-4D97-AF65-F5344CB8AC3E}">
-        <p14:creationId xmlns:p14="http://schemas.microsoft.com/office/powerpoint/2010/main" val="639969355"/>
+        <p14:creationId xmlns:p14="http://schemas.microsoft.com/office/powerpoint/2010/main" val="1915946496"/>
       </p:ext>
     </p:extLst>
   </p:cSld>
@@ -5833,7 +5248,7 @@
           <a:p>
             <a:r>
               <a:rPr lang="en-US" altLang="ko-KR" dirty="0"/>
-              <a:t>Class</a:t>
+              <a:t>To do</a:t>
             </a:r>
             <a:endParaRPr lang="ko-KR" altLang="en-US" dirty="0"/>
           </a:p>
@@ -5862,110 +5277,183 @@
           </a:bodyPr>
           <a:lstStyle/>
           <a:p>
+            <a:pPr lvl="0"/>
             <a:r>
               <a:rPr lang="ko-KR" altLang="en-US" dirty="0">
-                <a:latin typeface="맑은 고딕" panose="020B0503020000020004" pitchFamily="50" charset="-127"/>
-                <a:ea typeface="맑은 고딕" panose="020B0503020000020004" pitchFamily="50" charset="-127"/>
-              </a:rPr>
-              <a:t>문자</a:t>
+                <a:solidFill>
+                  <a:prstClr val="black"/>
+                </a:solidFill>
+              </a:rPr>
+              <a:t>리눅스 </a:t>
             </a:r>
             <a:r>
               <a:rPr lang="en-US" altLang="ko-KR" dirty="0">
-                <a:latin typeface="맑은 고딕" panose="020B0503020000020004" pitchFamily="50" charset="-127"/>
-                <a:ea typeface="맑은 고딕" panose="020B0503020000020004" pitchFamily="50" charset="-127"/>
-              </a:rPr>
-              <a:t> </a:t>
+                <a:solidFill>
+                  <a:prstClr val="black"/>
+                </a:solidFill>
+              </a:rPr>
+              <a:t>shell </a:t>
             </a:r>
             <a:r>
               <a:rPr lang="ko-KR" altLang="en-US" dirty="0">
-                <a:latin typeface="맑은 고딕" panose="020B0503020000020004" pitchFamily="50" charset="-127"/>
-                <a:ea typeface="맑은 고딕" panose="020B0503020000020004" pitchFamily="50" charset="-127"/>
-              </a:rPr>
-              <a:t>교체</a:t>
+                <a:solidFill>
+                  <a:prstClr val="black"/>
+                </a:solidFill>
+              </a:rPr>
+              <a:t>익히기</a:t>
             </a:r>
             <a:endParaRPr lang="en-US" altLang="ko-KR" dirty="0">
-              <a:latin typeface="맑은 고딕" panose="020B0503020000020004" pitchFamily="50" charset="-127"/>
-              <a:ea typeface="맑은 고딕" panose="020B0503020000020004" pitchFamily="50" charset="-127"/>
+              <a:solidFill>
+                <a:prstClr val="black"/>
+              </a:solidFill>
             </a:endParaRPr>
           </a:p>
           <a:p>
-            <a:pPr lvl="1"/>
+            <a:pPr lvl="0"/>
             <a:r>
               <a:rPr lang="en-US" altLang="ko-KR" dirty="0">
-                <a:latin typeface="+mn-ea"/>
-              </a:rPr>
-              <a:t>so0</a:t>
-            </a:r>
-          </a:p>
-          <a:p>
-            <a:pPr lvl="1"/>
+                <a:solidFill>
+                  <a:prstClr val="black"/>
+                </a:solidFill>
+              </a:rPr>
+              <a:t>Sed, </a:t>
+            </a:r>
+            <a:r>
+              <a:rPr lang="en-US" altLang="ko-KR" dirty="0" err="1">
+                <a:solidFill>
+                  <a:prstClr val="black"/>
+                </a:solidFill>
+              </a:rPr>
+              <a:t>Awk</a:t>
+            </a:r>
             <a:r>
               <a:rPr lang="en-US" altLang="ko-KR" dirty="0">
-                <a:latin typeface="+mn-ea"/>
-              </a:rPr>
-              <a:t>si1</a:t>
-            </a:r>
-          </a:p>
-          <a:p>
-            <a:pPr lvl="1"/>
+                <a:solidFill>
+                  <a:prstClr val="black"/>
+                </a:solidFill>
+              </a:rPr>
+              <a:t>  </a:t>
+            </a:r>
+            <a:r>
+              <a:rPr lang="ko-KR" altLang="en-US" dirty="0">
+                <a:solidFill>
+                  <a:prstClr val="black"/>
+                </a:solidFill>
+              </a:rPr>
+              <a:t>익히기</a:t>
+            </a:r>
+            <a:endParaRPr lang="en-US" altLang="ko-KR" dirty="0">
+              <a:solidFill>
+                <a:prstClr val="black"/>
+              </a:solidFill>
+            </a:endParaRPr>
+          </a:p>
+          <a:p>
+            <a:pPr lvl="0"/>
             <a:r>
               <a:rPr lang="en-US" altLang="ko-KR" dirty="0">
-                <a:latin typeface="+mn-ea"/>
-              </a:rPr>
-              <a:t>se3</a:t>
-            </a:r>
-          </a:p>
-          <a:p>
-            <a:pPr lvl="1"/>
+                <a:solidFill>
+                  <a:prstClr val="black"/>
+                </a:solidFill>
+              </a:rPr>
+              <a:t>Posting list </a:t>
+            </a:r>
+            <a:r>
+              <a:rPr lang="ko-KR" altLang="en-US" dirty="0">
+                <a:solidFill>
+                  <a:prstClr val="black"/>
+                </a:solidFill>
+              </a:rPr>
+              <a:t>생성</a:t>
+            </a:r>
             <a:endParaRPr lang="en-US" altLang="ko-KR" dirty="0">
-              <a:latin typeface="+mn-ea"/>
-              <a:ea typeface="+mn-ea"/>
+              <a:solidFill>
+                <a:prstClr val="black"/>
+              </a:solidFill>
             </a:endParaRPr>
           </a:p>
           <a:p>
+            <a:pPr lvl="0"/>
+            <a:r>
+              <a:rPr lang="en-US" altLang="ko-KR" dirty="0">
+                <a:solidFill>
+                  <a:prstClr val="black"/>
+                </a:solidFill>
+              </a:rPr>
+              <a:t>Python </a:t>
+            </a:r>
             <a:r>
               <a:rPr lang="ko-KR" altLang="en-US" dirty="0">
-                <a:latin typeface="맑은 고딕" panose="020B0503020000020004" pitchFamily="50" charset="-127"/>
-                <a:ea typeface="맑은 고딕" panose="020B0503020000020004" pitchFamily="50" charset="-127"/>
-              </a:rPr>
-              <a:t>문자</a:t>
-            </a:r>
+                <a:solidFill>
+                  <a:prstClr val="black"/>
+                </a:solidFill>
+              </a:rPr>
+              <a:t>실습</a:t>
+            </a:r>
+            <a:endParaRPr lang="en-US" altLang="ko-KR" dirty="0">
+              <a:solidFill>
+                <a:prstClr val="black"/>
+              </a:solidFill>
+            </a:endParaRPr>
+          </a:p>
+          <a:p>
+            <a:pPr lvl="0"/>
             <a:r>
               <a:rPr lang="en-US" altLang="ko-KR" dirty="0">
-                <a:latin typeface="맑은 고딕" panose="020B0503020000020004" pitchFamily="50" charset="-127"/>
-                <a:ea typeface="맑은 고딕" panose="020B0503020000020004" pitchFamily="50" charset="-127"/>
-              </a:rPr>
-              <a:t> </a:t>
-            </a:r>
+                <a:solidFill>
+                  <a:prstClr val="black"/>
+                </a:solidFill>
+              </a:rPr>
+              <a:t>Scoring</a:t>
+            </a:r>
+          </a:p>
+          <a:p>
+            <a:pPr lvl="0"/>
             <a:r>
               <a:rPr lang="ko-KR" altLang="en-US" dirty="0">
-                <a:latin typeface="맑은 고딕" panose="020B0503020000020004" pitchFamily="50" charset="-127"/>
-                <a:ea typeface="맑은 고딕" panose="020B0503020000020004" pitchFamily="50" charset="-127"/>
-              </a:rPr>
-              <a:t>위치 변경</a:t>
+                <a:solidFill>
+                  <a:prstClr val="black"/>
+                </a:solidFill>
+              </a:rPr>
+              <a:t>정보검색기 구현</a:t>
             </a:r>
             <a:endParaRPr lang="en-US" altLang="ko-KR" dirty="0">
-              <a:latin typeface="맑은 고딕" panose="020B0503020000020004" pitchFamily="50" charset="-127"/>
-              <a:ea typeface="맑은 고딕" panose="020B0503020000020004" pitchFamily="50" charset="-127"/>
+              <a:solidFill>
+                <a:prstClr val="black"/>
+              </a:solidFill>
             </a:endParaRPr>
           </a:p>
           <a:p>
-            <a:pPr lvl="1"/>
+            <a:pPr lvl="0"/>
+            <a:r>
+              <a:rPr lang="ko-KR" altLang="en-US" dirty="0">
+                <a:solidFill>
+                  <a:prstClr val="black"/>
+                </a:solidFill>
+              </a:rPr>
+              <a:t>파이썬 </a:t>
+            </a:r>
             <a:r>
               <a:rPr lang="en-US" altLang="ko-KR" dirty="0">
-                <a:latin typeface="+mn-ea"/>
-              </a:rPr>
-              <a:t>*04</a:t>
-            </a:r>
-          </a:p>
-          <a:p>
-            <a:pPr lvl="1"/>
-            <a:r>
-              <a:rPr lang="en-US" altLang="ko-KR" dirty="0">
-                <a:latin typeface="+mn-ea"/>
-              </a:rPr>
-              <a:t>*05</a:t>
-            </a:r>
+                <a:solidFill>
+                  <a:prstClr val="black"/>
+                </a:solidFill>
+              </a:rPr>
+              <a:t>bottle </a:t>
+            </a:r>
+            <a:r>
+              <a:rPr lang="ko-KR" altLang="en-US" dirty="0">
+                <a:solidFill>
+                  <a:prstClr val="black"/>
+                </a:solidFill>
+              </a:rPr>
+              <a:t>웹 프레임워크</a:t>
+            </a:r>
+            <a:endParaRPr lang="en-US" altLang="ko-KR" dirty="0">
+              <a:solidFill>
+                <a:prstClr val="black"/>
+              </a:solidFill>
+            </a:endParaRPr>
           </a:p>
           <a:p>
             <a:pPr lvl="1"/>
@@ -6011,7 +5499,7 @@
     </p:spTree>
     <p:extLst>
       <p:ext uri="{BB962C8B-B14F-4D97-AF65-F5344CB8AC3E}">
-        <p14:creationId xmlns:p14="http://schemas.microsoft.com/office/powerpoint/2010/main" val="1561089972"/>
+        <p14:creationId xmlns:p14="http://schemas.microsoft.com/office/powerpoint/2010/main" val="639969355"/>
       </p:ext>
     </p:extLst>
   </p:cSld>
@@ -6061,7 +5549,7 @@
           <a:p>
             <a:r>
               <a:rPr lang="en-US" altLang="ko-KR" dirty="0"/>
-              <a:t>Class</a:t>
+              <a:t>Project</a:t>
             </a:r>
             <a:endParaRPr lang="ko-KR" altLang="en-US" dirty="0"/>
           </a:p>
@@ -6069,10 +5557,10 @@
       </p:sp>
       <p:sp>
         <p:nvSpPr>
-          <p:cNvPr id="3" name="내용 개체 틀 2">
+          <p:cNvPr id="6" name="내용 개체 틀 2">
             <a:extLst>
               <a:ext uri="{FF2B5EF4-FFF2-40B4-BE49-F238E27FC236}">
-                <a16:creationId xmlns:a16="http://schemas.microsoft.com/office/drawing/2014/main" id="{CA7E4457-89E6-4A58-A123-EDF58E946C2F}"/>
+                <a16:creationId xmlns:a16="http://schemas.microsoft.com/office/drawing/2014/main" id="{80811057-6B0F-40DA-8738-4E751E6F995E}"/>
               </a:ext>
             </a:extLst>
           </p:cNvPr>
@@ -6083,19 +5571,31 @@
             <p:ph idx="1"/>
           </p:nvPr>
         </p:nvSpPr>
-        <p:spPr/>
+        <p:spPr>
+          <a:xfrm>
+            <a:off x="628650" y="914400"/>
+            <a:ext cx="7886700" cy="5189734"/>
+          </a:xfrm>
+        </p:spPr>
         <p:txBody>
           <a:bodyPr>
-            <a:normAutofit fontScale="92500" lnSpcReduction="10000"/>
+            <a:normAutofit/>
           </a:bodyPr>
           <a:lstStyle/>
           <a:p>
+            <a:r>
+              <a:rPr lang="en-US" altLang="ko-KR" dirty="0">
+                <a:latin typeface="맑은 고딕" panose="020B0503020000020004" pitchFamily="50" charset="-127"/>
+                <a:ea typeface="맑은 고딕" panose="020B0503020000020004" pitchFamily="50" charset="-127"/>
+              </a:rPr>
+              <a:t>Python </a:t>
+            </a:r>
             <a:r>
               <a:rPr lang="ko-KR" altLang="en-US" dirty="0">
                 <a:latin typeface="맑은 고딕" panose="020B0503020000020004" pitchFamily="50" charset="-127"/>
                 <a:ea typeface="맑은 고딕" panose="020B0503020000020004" pitchFamily="50" charset="-127"/>
               </a:rPr>
-              <a:t>기타</a:t>
+              <a:t>정보검색기 구현</a:t>
             </a:r>
             <a:endParaRPr lang="en-US" altLang="ko-KR" dirty="0">
               <a:latin typeface="맑은 고딕" panose="020B0503020000020004" pitchFamily="50" charset="-127"/>
@@ -6107,411 +5607,461 @@
             <a:r>
               <a:rPr lang="ko-KR" altLang="en-US" dirty="0">
                 <a:latin typeface="+mn-ea"/>
-              </a:rPr>
-              <a:t>아래 규칙들의 혼합된 규칙으로 생성</a:t>
-            </a:r>
-            <a:endParaRPr lang="en-US" altLang="ko-KR" dirty="0">
-              <a:latin typeface="+mn-ea"/>
-            </a:endParaRPr>
+                <a:ea typeface="+mn-ea"/>
+              </a:rPr>
+              <a:t>대상언어 및 </a:t>
+            </a:r>
+            <a:r>
+              <a:rPr lang="ko-KR" altLang="en-US" dirty="0" err="1">
+                <a:latin typeface="+mn-ea"/>
+                <a:ea typeface="+mn-ea"/>
+              </a:rPr>
+              <a:t>문서셋</a:t>
+            </a:r>
+            <a:r>
+              <a:rPr lang="en-US" altLang="ko-KR" dirty="0">
+                <a:latin typeface="+mn-ea"/>
+                <a:ea typeface="+mn-ea"/>
+              </a:rPr>
+              <a:t>: </a:t>
+            </a:r>
+            <a:r>
+              <a:rPr lang="ko-KR" altLang="en-US" dirty="0">
+                <a:latin typeface="+mn-ea"/>
+                <a:ea typeface="+mn-ea"/>
+              </a:rPr>
+              <a:t>영어 </a:t>
+            </a:r>
+            <a:r>
+              <a:rPr lang="en-US" altLang="ko-KR" dirty="0">
+                <a:latin typeface="+mn-ea"/>
+                <a:ea typeface="+mn-ea"/>
+              </a:rPr>
+              <a:t>TREC AP88 </a:t>
+            </a:r>
+            <a:r>
+              <a:rPr lang="ko-KR" altLang="en-US" dirty="0" err="1">
+                <a:latin typeface="+mn-ea"/>
+                <a:ea typeface="+mn-ea"/>
+              </a:rPr>
+              <a:t>문서셋</a:t>
+            </a:r>
+            <a:r>
+              <a:rPr lang="ko-KR" altLang="en-US" dirty="0">
+                <a:latin typeface="+mn-ea"/>
+                <a:ea typeface="+mn-ea"/>
+              </a:rPr>
+              <a:t> </a:t>
+            </a:r>
+            <a:r>
+              <a:rPr lang="en-US" altLang="ko-KR" dirty="0">
+                <a:latin typeface="+mn-ea"/>
+                <a:ea typeface="+mn-ea"/>
+              </a:rPr>
+              <a:t>(242MB)</a:t>
+            </a:r>
           </a:p>
           <a:p>
             <a:pPr lvl="1"/>
             <a:r>
               <a:rPr lang="ko-KR" altLang="en-US" dirty="0">
                 <a:latin typeface="+mn-ea"/>
-              </a:rPr>
-              <a:t>문자열을 </a:t>
+                <a:ea typeface="+mn-ea"/>
+              </a:rPr>
+              <a:t>정보검색 모델</a:t>
             </a:r>
             <a:r>
               <a:rPr lang="en-US" altLang="ko-KR" dirty="0">
                 <a:latin typeface="+mn-ea"/>
-              </a:rPr>
-              <a:t>str</a:t>
+                <a:ea typeface="+mn-ea"/>
+              </a:rPr>
+              <a:t>: </a:t>
+            </a:r>
+            <a:r>
+              <a:rPr lang="en-US" altLang="ko-KR" dirty="0" err="1">
+                <a:latin typeface="+mn-ea"/>
+                <a:ea typeface="+mn-ea"/>
+              </a:rPr>
+              <a:t>tf-idf</a:t>
+            </a:r>
+            <a:r>
+              <a:rPr lang="en-US" altLang="ko-KR" dirty="0">
+                <a:latin typeface="+mn-ea"/>
+                <a:ea typeface="+mn-ea"/>
+              </a:rPr>
+              <a:t> weighting</a:t>
+            </a:r>
+          </a:p>
+          <a:p>
+            <a:pPr lvl="1"/>
+            <a:r>
+              <a:rPr lang="en-US" altLang="ko-KR" dirty="0">
+                <a:latin typeface="+mn-ea"/>
+                <a:ea typeface="+mn-ea"/>
+              </a:rPr>
+              <a:t>Porter stemmer </a:t>
             </a:r>
             <a:r>
               <a:rPr lang="ko-KR" altLang="en-US" dirty="0">
                 <a:latin typeface="+mn-ea"/>
-              </a:rPr>
-              <a:t>이라고 가정</a:t>
-            </a:r>
-            <a:endParaRPr lang="en-US" altLang="ko-KR" dirty="0">
-              <a:latin typeface="+mn-ea"/>
-            </a:endParaRPr>
+                <a:ea typeface="+mn-ea"/>
+              </a:rPr>
+              <a:t>추가 </a:t>
+            </a:r>
+            <a:r>
+              <a:rPr lang="en-US" altLang="ko-KR" dirty="0">
+                <a:latin typeface="+mn-ea"/>
+                <a:ea typeface="+mn-ea"/>
+              </a:rPr>
+              <a:t>(Porter stemmer </a:t>
+            </a:r>
+            <a:r>
+              <a:rPr lang="ko-KR" altLang="en-US" dirty="0">
+                <a:latin typeface="+mn-ea"/>
+                <a:ea typeface="+mn-ea"/>
+              </a:rPr>
+              <a:t>모듈은 주어짐</a:t>
+            </a:r>
+            <a:r>
+              <a:rPr lang="en-US" altLang="ko-KR" dirty="0">
+                <a:latin typeface="+mn-ea"/>
+                <a:ea typeface="+mn-ea"/>
+              </a:rPr>
+              <a:t>) </a:t>
+            </a:r>
+            <a:r>
+              <a:rPr lang="ko-KR" altLang="en-US" dirty="0">
+                <a:latin typeface="+mn-ea"/>
+                <a:ea typeface="+mn-ea"/>
+              </a:rPr>
+              <a:t>및 </a:t>
+            </a:r>
+            <a:r>
+              <a:rPr lang="en-US" altLang="ko-KR" dirty="0">
+                <a:latin typeface="+mn-ea"/>
+                <a:ea typeface="+mn-ea"/>
+              </a:rPr>
+              <a:t>Sed/</a:t>
+            </a:r>
+            <a:r>
+              <a:rPr lang="en-US" altLang="ko-KR" dirty="0" err="1">
+                <a:latin typeface="+mn-ea"/>
+                <a:ea typeface="+mn-ea"/>
+              </a:rPr>
+              <a:t>Awk</a:t>
+            </a:r>
+            <a:r>
+              <a:rPr lang="en-US" altLang="ko-KR" dirty="0">
+                <a:latin typeface="+mn-ea"/>
+                <a:ea typeface="+mn-ea"/>
+              </a:rPr>
+              <a:t> </a:t>
+            </a:r>
+            <a:r>
+              <a:rPr lang="ko-KR" altLang="en-US" dirty="0">
+                <a:latin typeface="+mn-ea"/>
+                <a:ea typeface="+mn-ea"/>
+              </a:rPr>
+              <a:t>대신 </a:t>
+            </a:r>
+            <a:r>
+              <a:rPr lang="en-US" altLang="ko-KR" dirty="0">
+                <a:latin typeface="+mn-ea"/>
+                <a:ea typeface="+mn-ea"/>
+              </a:rPr>
+              <a:t>Python</a:t>
+            </a:r>
+            <a:r>
+              <a:rPr lang="ko-KR" altLang="en-US" dirty="0">
+                <a:latin typeface="+mn-ea"/>
+                <a:ea typeface="+mn-ea"/>
+              </a:rPr>
+              <a:t>을 이용한 </a:t>
+            </a:r>
+            <a:r>
+              <a:rPr lang="en-US" altLang="ko-KR" dirty="0">
+                <a:latin typeface="+mn-ea"/>
+                <a:ea typeface="+mn-ea"/>
+              </a:rPr>
+              <a:t>Posting list </a:t>
+            </a:r>
+            <a:r>
+              <a:rPr lang="ko-KR" altLang="en-US" dirty="0">
+                <a:latin typeface="+mn-ea"/>
+                <a:ea typeface="+mn-ea"/>
+              </a:rPr>
+              <a:t>생성 모듈 구현</a:t>
+            </a:r>
           </a:p>
           <a:p>
             <a:pPr lvl="1"/>
             <a:r>
               <a:rPr lang="en-US" altLang="ko-KR" dirty="0">
                 <a:latin typeface="+mn-ea"/>
-              </a:rPr>
-              <a:t>* - </a:t>
+                <a:ea typeface="+mn-ea"/>
+              </a:rPr>
+              <a:t>Python</a:t>
             </a:r>
             <a:r>
               <a:rPr lang="ko-KR" altLang="en-US" dirty="0">
                 <a:latin typeface="+mn-ea"/>
-              </a:rPr>
-              <a:t>문자 위치변경</a:t>
-            </a:r>
-            <a:endParaRPr lang="en-US" altLang="ko-KR" dirty="0">
-              <a:latin typeface="+mn-ea"/>
-            </a:endParaRPr>
+                <a:ea typeface="+mn-ea"/>
+              </a:rPr>
+              <a:t>의 </a:t>
+            </a:r>
+            <a:r>
+              <a:rPr lang="en-US" altLang="ko-KR" dirty="0">
+                <a:latin typeface="+mn-ea"/>
+                <a:ea typeface="+mn-ea"/>
+              </a:rPr>
+              <a:t>dictionary </a:t>
+            </a:r>
+            <a:r>
+              <a:rPr lang="ko-KR" altLang="en-US" dirty="0">
+                <a:latin typeface="+mn-ea"/>
+                <a:ea typeface="+mn-ea"/>
+              </a:rPr>
+              <a:t>대신 </a:t>
+            </a:r>
+            <a:r>
+              <a:rPr lang="en-US" altLang="ko-KR" dirty="0">
+                <a:latin typeface="+mn-ea"/>
+                <a:ea typeface="+mn-ea"/>
+              </a:rPr>
+              <a:t>DB</a:t>
+            </a:r>
+            <a:r>
+              <a:rPr lang="ko-KR" altLang="en-US" dirty="0">
+                <a:latin typeface="+mn-ea"/>
+                <a:ea typeface="+mn-ea"/>
+              </a:rPr>
+              <a:t>로 구현</a:t>
+            </a:r>
+          </a:p>
+          <a:p>
+            <a:pPr lvl="1"/>
+            <a:r>
+              <a:rPr lang="en-US" altLang="ko-KR" dirty="0">
+                <a:latin typeface="+mn-ea"/>
+                <a:ea typeface="+mn-ea"/>
+              </a:rPr>
+              <a:t>Evaluation </a:t>
+            </a:r>
+            <a:r>
+              <a:rPr lang="ko-KR" altLang="en-US" dirty="0">
+                <a:latin typeface="+mn-ea"/>
+                <a:ea typeface="+mn-ea"/>
+              </a:rPr>
+              <a:t>포맷 출력 및 이를 이용한 성능 측정 </a:t>
+            </a:r>
+            <a:r>
+              <a:rPr lang="en-US" altLang="ko-KR" dirty="0">
+                <a:latin typeface="+mn-ea"/>
+                <a:ea typeface="+mn-ea"/>
+              </a:rPr>
+              <a:t>(</a:t>
+            </a:r>
+            <a:r>
+              <a:rPr lang="ko-KR" altLang="en-US" dirty="0">
+                <a:latin typeface="+mn-ea"/>
+                <a:ea typeface="+mn-ea"/>
+              </a:rPr>
+              <a:t>성능 측정 프로그램은 주어짐</a:t>
+            </a:r>
+            <a:r>
+              <a:rPr lang="en-US" altLang="ko-KR" dirty="0">
+                <a:latin typeface="+mn-ea"/>
+                <a:ea typeface="+mn-ea"/>
+              </a:rPr>
+              <a:t>)</a:t>
+            </a:r>
+          </a:p>
+          <a:p>
+            <a:pPr lvl="1"/>
+            <a:r>
+              <a:rPr lang="ko-KR" altLang="en-US" dirty="0">
+                <a:latin typeface="+mn-ea"/>
+                <a:ea typeface="+mn-ea"/>
+              </a:rPr>
+              <a:t>추가 옵션 </a:t>
+            </a:r>
+            <a:r>
+              <a:rPr lang="en-US" altLang="ko-KR" dirty="0">
+                <a:latin typeface="+mn-ea"/>
+                <a:ea typeface="+mn-ea"/>
+              </a:rPr>
+              <a:t>(</a:t>
+            </a:r>
+            <a:r>
+              <a:rPr lang="ko-KR" altLang="en-US" dirty="0">
+                <a:latin typeface="+mn-ea"/>
+                <a:ea typeface="+mn-ea"/>
+              </a:rPr>
+              <a:t>구현을 하면 추가 점수 주어짐</a:t>
+            </a:r>
+            <a:r>
+              <a:rPr lang="en-US" altLang="ko-KR" dirty="0">
+                <a:latin typeface="+mn-ea"/>
+                <a:ea typeface="+mn-ea"/>
+              </a:rPr>
+              <a:t>)</a:t>
+            </a:r>
           </a:p>
           <a:p>
             <a:pPr lvl="2"/>
             <a:r>
+              <a:rPr lang="ko-KR" altLang="en-US" dirty="0">
+                <a:latin typeface="+mn-ea"/>
+                <a:ea typeface="+mn-ea"/>
+              </a:rPr>
+              <a:t>정보검색 모델 추가</a:t>
+            </a:r>
+            <a:r>
               <a:rPr lang="en-US" altLang="ko-KR" dirty="0">
                 <a:latin typeface="+mn-ea"/>
-              </a:rPr>
-              <a:t>(*04 = str[0]</a:t>
+                <a:ea typeface="+mn-ea"/>
+              </a:rPr>
+              <a:t>: Vector space model (</a:t>
             </a:r>
             <a:r>
               <a:rPr lang="ko-KR" altLang="en-US" dirty="0">
                 <a:latin typeface="+mn-ea"/>
-              </a:rPr>
-              <a:t>과 </a:t>
+                <a:ea typeface="+mn-ea"/>
+              </a:rPr>
+              <a:t>다양한 옵션 구현</a:t>
             </a:r>
             <a:r>
               <a:rPr lang="en-US" altLang="ko-KR" dirty="0">
                 <a:latin typeface="+mn-ea"/>
-              </a:rPr>
-              <a:t>str[4]</a:t>
+                <a:ea typeface="+mn-ea"/>
+              </a:rPr>
+              <a:t>: </a:t>
+            </a:r>
+            <a:r>
+              <a:rPr lang="en-US" altLang="ko-KR" dirty="0" err="1">
+                <a:latin typeface="+mn-ea"/>
+                <a:ea typeface="+mn-ea"/>
+              </a:rPr>
+              <a:t>lnc.ltc</a:t>
+            </a:r>
+            <a:r>
+              <a:rPr lang="en-US" altLang="ko-KR" dirty="0">
+                <a:latin typeface="+mn-ea"/>
+                <a:ea typeface="+mn-ea"/>
+              </a:rPr>
+              <a:t> </a:t>
             </a:r>
             <a:r>
               <a:rPr lang="ko-KR" altLang="en-US" dirty="0">
                 <a:latin typeface="+mn-ea"/>
-              </a:rPr>
-              <a:t>를 서로 변경</a:t>
+                <a:ea typeface="+mn-ea"/>
+              </a:rPr>
+              <a:t>등</a:t>
             </a:r>
             <a:r>
               <a:rPr lang="en-US" altLang="ko-KR" dirty="0">
                 <a:latin typeface="+mn-ea"/>
-              </a:rPr>
-              <a:t>) : </a:t>
-            </a:r>
-            <a:r>
-              <a:rPr lang="en-US" altLang="ko-KR" dirty="0" err="1">
-                <a:latin typeface="+mn-ea"/>
-              </a:rPr>
-              <a:t>abcdef</a:t>
-            </a:r>
+                <a:ea typeface="+mn-ea"/>
+              </a:rPr>
+              <a:t>), BM25, Language model for IR</a:t>
+            </a:r>
+          </a:p>
+          <a:p>
+            <a:pPr lvl="2"/>
             <a:r>
               <a:rPr lang="en-US" altLang="ko-KR" dirty="0">
                 <a:latin typeface="+mn-ea"/>
-              </a:rPr>
-              <a:t> -&gt; </a:t>
-            </a:r>
-            <a:r>
-              <a:rPr lang="en-US" altLang="ko-KR" dirty="0" err="1">
-                <a:latin typeface="+mn-ea"/>
-              </a:rPr>
-              <a:t>ebcdaf</a:t>
-            </a:r>
-            <a:endParaRPr lang="en-US" altLang="ko-KR" dirty="0">
-              <a:latin typeface="+mn-ea"/>
-            </a:endParaRPr>
-          </a:p>
-          <a:p>
-            <a:pPr lvl="1"/>
+                <a:ea typeface="+mn-ea"/>
+              </a:rPr>
+              <a:t>Python</a:t>
+            </a:r>
+            <a:r>
+              <a:rPr lang="ko-KR" altLang="en-US" dirty="0">
+                <a:latin typeface="+mn-ea"/>
+                <a:ea typeface="+mn-ea"/>
+              </a:rPr>
+              <a:t>으로 </a:t>
+            </a:r>
             <a:r>
               <a:rPr lang="en-US" altLang="ko-KR" dirty="0">
                 <a:latin typeface="+mn-ea"/>
-              </a:rPr>
-              <a:t>+ - </a:t>
+                <a:ea typeface="+mn-ea"/>
+              </a:rPr>
+              <a:t>CGI </a:t>
             </a:r>
             <a:r>
               <a:rPr lang="ko-KR" altLang="en-US" dirty="0">
                 <a:latin typeface="+mn-ea"/>
-              </a:rPr>
-              <a:t>문자 변경</a:t>
-            </a:r>
-            <a:endParaRPr lang="en-US" altLang="ko-KR" dirty="0">
-              <a:latin typeface="+mn-ea"/>
-            </a:endParaRPr>
+                <a:ea typeface="+mn-ea"/>
+              </a:rPr>
+              <a:t>구현 </a:t>
+            </a:r>
+            <a:r>
+              <a:rPr lang="en-US" altLang="ko-KR" dirty="0">
+                <a:latin typeface="+mn-ea"/>
+                <a:ea typeface="+mn-ea"/>
+              </a:rPr>
+              <a:t>(</a:t>
+            </a:r>
+            <a:r>
+              <a:rPr lang="ko-KR" altLang="en-US" dirty="0">
+                <a:latin typeface="+mn-ea"/>
+                <a:ea typeface="+mn-ea"/>
+              </a:rPr>
+              <a:t>인터넷 브라우저에서 정보검색기 실행 가능 하도록</a:t>
+            </a:r>
+            <a:r>
+              <a:rPr lang="en-US" altLang="ko-KR" dirty="0">
+                <a:latin typeface="+mn-ea"/>
+                <a:ea typeface="+mn-ea"/>
+              </a:rPr>
+              <a:t>)</a:t>
+            </a:r>
           </a:p>
           <a:p>
             <a:pPr lvl="2"/>
             <a:r>
+              <a:rPr lang="ko-KR" altLang="en-US" dirty="0">
+                <a:latin typeface="+mn-ea"/>
+                <a:ea typeface="+mn-ea"/>
+              </a:rPr>
+              <a:t>한국어 정보검색기 구현 </a:t>
+            </a:r>
+            <a:r>
               <a:rPr lang="en-US" altLang="ko-KR" dirty="0">
                 <a:latin typeface="+mn-ea"/>
-              </a:rPr>
-              <a:t>(+2 = str[2]</a:t>
+                <a:ea typeface="+mn-ea"/>
+              </a:rPr>
+              <a:t>(</a:t>
             </a:r>
             <a:r>
               <a:rPr lang="ko-KR" altLang="en-US" dirty="0">
                 <a:latin typeface="+mn-ea"/>
-              </a:rPr>
-              <a:t>를 </a:t>
+                <a:ea typeface="+mn-ea"/>
+              </a:rPr>
+              <a:t>음절 </a:t>
             </a:r>
             <a:r>
               <a:rPr lang="en-US" altLang="ko-KR" dirty="0">
                 <a:latin typeface="+mn-ea"/>
-              </a:rPr>
-              <a:t>str[3]</a:t>
+                <a:ea typeface="+mn-ea"/>
+              </a:rPr>
+              <a:t>bigram model </a:t>
             </a:r>
             <a:r>
               <a:rPr lang="ko-KR" altLang="en-US" dirty="0">
                 <a:latin typeface="+mn-ea"/>
-              </a:rPr>
-              <a:t>으로 변경</a:t>
+                <a:ea typeface="+mn-ea"/>
+              </a:rPr>
+              <a:t>이용</a:t>
             </a:r>
             <a:r>
               <a:rPr lang="en-US" altLang="ko-KR" dirty="0">
                 <a:latin typeface="+mn-ea"/>
-              </a:rPr>
-              <a:t>) : </a:t>
-            </a:r>
-            <a:r>
-              <a:rPr lang="en-US" altLang="ko-KR" dirty="0" err="1">
-                <a:latin typeface="+mn-ea"/>
-              </a:rPr>
-              <a:t>abcdef</a:t>
-            </a:r>
-            <a:r>
-              <a:rPr lang="en-US" altLang="ko-KR" dirty="0">
-                <a:latin typeface="+mn-ea"/>
-              </a:rPr>
-              <a:t> -&gt; </a:t>
-            </a:r>
-            <a:r>
-              <a:rPr lang="en-US" altLang="ko-KR" dirty="0" err="1">
-                <a:latin typeface="+mn-ea"/>
-              </a:rPr>
-              <a:t>abddef</a:t>
-            </a:r>
-            <a:endParaRPr lang="en-US" altLang="ko-KR" dirty="0">
-              <a:latin typeface="+mn-ea"/>
-            </a:endParaRPr>
-          </a:p>
-          <a:p>
-            <a:pPr lvl="1"/>
-            <a:r>
-              <a:rPr lang="en-US" altLang="ko-KR" dirty="0">
-                <a:latin typeface="+mn-ea"/>
-              </a:rPr>
-              <a:t>d – </a:t>
-            </a:r>
-            <a:r>
-              <a:rPr lang="ko-KR" altLang="en-US" dirty="0">
-                <a:latin typeface="+mn-ea"/>
-              </a:rPr>
-              <a:t>문자열 추가</a:t>
-            </a:r>
-            <a:endParaRPr lang="en-US" altLang="ko-KR" dirty="0">
-              <a:latin typeface="+mn-ea"/>
-            </a:endParaRPr>
-          </a:p>
-          <a:p>
-            <a:pPr lvl="2"/>
-            <a:r>
-              <a:rPr lang="en-US" altLang="ko-KR" dirty="0">
-                <a:latin typeface="+mn-ea"/>
-              </a:rPr>
-              <a:t>(str = str + str) : </a:t>
-            </a:r>
-            <a:r>
-              <a:rPr lang="en-US" altLang="ko-KR" dirty="0" err="1">
-                <a:latin typeface="+mn-ea"/>
-              </a:rPr>
-              <a:t>abcdef</a:t>
-            </a:r>
-            <a:r>
-              <a:rPr lang="en-US" altLang="ko-KR" dirty="0">
-                <a:latin typeface="+mn-ea"/>
-              </a:rPr>
-              <a:t> -&gt; </a:t>
-            </a:r>
-            <a:r>
-              <a:rPr lang="en-US" altLang="ko-KR" dirty="0" err="1">
-                <a:latin typeface="+mn-ea"/>
-              </a:rPr>
-              <a:t>abcdefabcdef</a:t>
-            </a:r>
-            <a:endParaRPr lang="en-US" altLang="ko-KR" dirty="0">
-              <a:latin typeface="+mn-ea"/>
-            </a:endParaRPr>
-          </a:p>
-          <a:p>
-            <a:pPr lvl="1"/>
-            <a:r>
-              <a:rPr lang="en-US" altLang="ko-KR" dirty="0">
-                <a:latin typeface="+mn-ea"/>
-              </a:rPr>
-              <a:t>p – </a:t>
-            </a:r>
-            <a:r>
-              <a:rPr lang="ko-KR" altLang="en-US" dirty="0">
-                <a:latin typeface="+mn-ea"/>
-              </a:rPr>
-              <a:t>지정한 수만큼 문자열 추가</a:t>
-            </a:r>
-            <a:endParaRPr lang="en-US" altLang="ko-KR" dirty="0">
-              <a:latin typeface="+mn-ea"/>
-            </a:endParaRPr>
-          </a:p>
-          <a:p>
-            <a:pPr lvl="1"/>
-            <a:r>
-              <a:rPr lang="en-US" altLang="ko-KR" dirty="0">
-                <a:latin typeface="+mn-ea"/>
-              </a:rPr>
-              <a:t>(p2 = d d) : </a:t>
-            </a:r>
-            <a:r>
-              <a:rPr lang="en-US" altLang="ko-KR" dirty="0" err="1">
-                <a:latin typeface="+mn-ea"/>
-              </a:rPr>
-              <a:t>abcdef</a:t>
-            </a:r>
-            <a:r>
-              <a:rPr lang="en-US" altLang="ko-KR" dirty="0">
-                <a:latin typeface="+mn-ea"/>
-              </a:rPr>
-              <a:t> -&gt; </a:t>
-            </a:r>
-            <a:r>
-              <a:rPr lang="en-US" altLang="ko-KR" dirty="0" err="1">
-                <a:latin typeface="+mn-ea"/>
-              </a:rPr>
-              <a:t>abcdefabcdefabcdef</a:t>
-            </a:r>
-            <a:endParaRPr lang="en-US" altLang="ko-KR" dirty="0">
-              <a:latin typeface="+mn-ea"/>
-            </a:endParaRPr>
-          </a:p>
-          <a:p>
-            <a:pPr lvl="1"/>
-            <a:r>
-              <a:rPr lang="en-US" altLang="ko-KR" dirty="0">
-                <a:latin typeface="+mn-ea"/>
-              </a:rPr>
-              <a:t>' – </a:t>
-            </a:r>
-            <a:r>
-              <a:rPr lang="ko-KR" altLang="en-US" dirty="0">
-                <a:latin typeface="+mn-ea"/>
-              </a:rPr>
-              <a:t>문자제거</a:t>
-            </a:r>
-            <a:endParaRPr lang="en-US" altLang="ko-KR" dirty="0">
-              <a:latin typeface="+mn-ea"/>
-            </a:endParaRPr>
-          </a:p>
-          <a:p>
-            <a:pPr lvl="2"/>
-            <a:r>
-              <a:rPr lang="en-US" altLang="ko-KR" dirty="0">
-                <a:latin typeface="+mn-ea"/>
-              </a:rPr>
-              <a:t>('3 = str[0:5]</a:t>
-            </a:r>
-            <a:r>
-              <a:rPr lang="ko-KR" altLang="en-US" dirty="0">
-                <a:latin typeface="+mn-ea"/>
-              </a:rPr>
-              <a:t> </a:t>
-            </a:r>
-            <a:r>
-              <a:rPr lang="en-US" altLang="ko-KR" dirty="0">
-                <a:latin typeface="+mn-ea"/>
-              </a:rPr>
-              <a:t>-&gt;</a:t>
-            </a:r>
-            <a:r>
-              <a:rPr lang="ko-KR" altLang="en-US" dirty="0">
-                <a:latin typeface="+mn-ea"/>
-              </a:rPr>
-              <a:t> </a:t>
-            </a:r>
-            <a:r>
-              <a:rPr lang="en-US" altLang="ko-KR" dirty="0">
-                <a:latin typeface="+mn-ea"/>
-              </a:rPr>
-              <a:t>str[0:2]) : </a:t>
-            </a:r>
-            <a:r>
-              <a:rPr lang="en-US" altLang="ko-KR" dirty="0" err="1">
-                <a:latin typeface="+mn-ea"/>
-              </a:rPr>
-              <a:t>abcdef</a:t>
-            </a:r>
-            <a:r>
-              <a:rPr lang="en-US" altLang="ko-KR" dirty="0">
-                <a:latin typeface="+mn-ea"/>
-              </a:rPr>
-              <a:t> -&gt; </a:t>
-            </a:r>
-            <a:r>
-              <a:rPr lang="en-US" altLang="ko-KR" dirty="0" err="1">
-                <a:latin typeface="+mn-ea"/>
-              </a:rPr>
-              <a:t>abc</a:t>
-            </a:r>
-            <a:endParaRPr lang="en-US" altLang="ko-KR" dirty="0">
-              <a:latin typeface="+mn-ea"/>
-            </a:endParaRPr>
-          </a:p>
-          <a:p>
-            <a:pPr lvl="1"/>
-            <a:r>
-              <a:rPr lang="en-US" altLang="ko-KR" dirty="0">
-                <a:latin typeface="+mn-ea"/>
-              </a:rPr>
-              <a:t>z – </a:t>
-            </a:r>
-            <a:r>
-              <a:rPr lang="ko-KR" altLang="en-US" dirty="0">
-                <a:latin typeface="+mn-ea"/>
-              </a:rPr>
-              <a:t>마지막 문자를 지정한 수만큼 반복</a:t>
-            </a:r>
-            <a:endParaRPr lang="en-US" altLang="ko-KR" dirty="0">
-              <a:latin typeface="+mn-ea"/>
-            </a:endParaRPr>
-          </a:p>
-          <a:p>
-            <a:pPr lvl="1"/>
-            <a:r>
-              <a:rPr lang="en-US" altLang="ko-KR" dirty="0">
-                <a:latin typeface="+mn-ea"/>
-              </a:rPr>
-              <a:t>(z3 = str + str[5] + str[5] + str[5]) : </a:t>
-            </a:r>
-            <a:r>
-              <a:rPr lang="en-US" altLang="ko-KR" dirty="0" err="1">
-                <a:latin typeface="+mn-ea"/>
-              </a:rPr>
-              <a:t>abcdef</a:t>
-            </a:r>
-            <a:r>
-              <a:rPr lang="en-US" altLang="ko-KR" dirty="0">
-                <a:latin typeface="+mn-ea"/>
-              </a:rPr>
-              <a:t> -&gt; </a:t>
-            </a:r>
-            <a:r>
-              <a:rPr lang="en-US" altLang="ko-KR" dirty="0" err="1">
-                <a:latin typeface="+mn-ea"/>
-              </a:rPr>
-              <a:t>abcdeffff</a:t>
-            </a:r>
-            <a:endParaRPr lang="en-US" altLang="ko-KR" dirty="0">
-              <a:latin typeface="+mn-ea"/>
-              <a:ea typeface="+mn-ea"/>
-            </a:endParaRPr>
-          </a:p>
-          <a:p>
-            <a:pPr lvl="1"/>
-            <a:endParaRPr lang="en-US" altLang="ko-KR" dirty="0">
-              <a:latin typeface="+mn-ea"/>
-              <a:ea typeface="+mn-ea"/>
-            </a:endParaRPr>
-          </a:p>
-          <a:p>
-            <a:pPr lvl="1"/>
-            <a:endParaRPr lang="en-US" altLang="ko-KR" dirty="0">
-              <a:latin typeface="+mn-ea"/>
-              <a:ea typeface="+mn-ea"/>
-            </a:endParaRPr>
+                <a:ea typeface="+mn-ea"/>
+              </a:rPr>
+              <a:t>)</a:t>
+            </a:r>
           </a:p>
           <a:p>
             <a:pPr marL="457200" lvl="1" indent="0">
@@ -6543,7 +6093,7 @@
     </p:spTree>
     <p:extLst>
       <p:ext uri="{BB962C8B-B14F-4D97-AF65-F5344CB8AC3E}">
-        <p14:creationId xmlns:p14="http://schemas.microsoft.com/office/powerpoint/2010/main" val="109969959"/>
+        <p14:creationId xmlns:p14="http://schemas.microsoft.com/office/powerpoint/2010/main" val="395724850"/>
       </p:ext>
     </p:extLst>
   </p:cSld>
